--- a/docs/source/_static/images/dependencies.pptx
+++ b/docs/source/_static/images/dependencies.pptx
@@ -261,7 +261,7 @@
           <a:p>
             <a:fld id="{4373ED67-EFDC-487D-901C-C299B0C66302}" type="datetimeFigureOut">
               <a:rPr kumimoji="1" lang="ja-JP" altLang="en-US" smtClean="0"/>
-              <a:t>2020/12/3</a:t>
+              <a:t>2022/6/20</a:t>
             </a:fld>
             <a:endParaRPr kumimoji="1" lang="ja-JP" altLang="en-US"/>
           </a:p>
@@ -491,7 +491,7 @@
           <a:p>
             <a:fld id="{4373ED67-EFDC-487D-901C-C299B0C66302}" type="datetimeFigureOut">
               <a:rPr kumimoji="1" lang="ja-JP" altLang="en-US" smtClean="0"/>
-              <a:t>2020/12/3</a:t>
+              <a:t>2022/6/20</a:t>
             </a:fld>
             <a:endParaRPr kumimoji="1" lang="ja-JP" altLang="en-US"/>
           </a:p>
@@ -731,7 +731,7 @@
           <a:p>
             <a:fld id="{4373ED67-EFDC-487D-901C-C299B0C66302}" type="datetimeFigureOut">
               <a:rPr kumimoji="1" lang="ja-JP" altLang="en-US" smtClean="0"/>
-              <a:t>2020/12/3</a:t>
+              <a:t>2022/6/20</a:t>
             </a:fld>
             <a:endParaRPr kumimoji="1" lang="ja-JP" altLang="en-US"/>
           </a:p>
@@ -961,7 +961,7 @@
           <a:p>
             <a:fld id="{4373ED67-EFDC-487D-901C-C299B0C66302}" type="datetimeFigureOut">
               <a:rPr kumimoji="1" lang="ja-JP" altLang="en-US" smtClean="0"/>
-              <a:t>2020/12/3</a:t>
+              <a:t>2022/6/20</a:t>
             </a:fld>
             <a:endParaRPr kumimoji="1" lang="ja-JP" altLang="en-US"/>
           </a:p>
@@ -1236,7 +1236,7 @@
           <a:p>
             <a:fld id="{4373ED67-EFDC-487D-901C-C299B0C66302}" type="datetimeFigureOut">
               <a:rPr kumimoji="1" lang="ja-JP" altLang="en-US" smtClean="0"/>
-              <a:t>2020/12/3</a:t>
+              <a:t>2022/6/20</a:t>
             </a:fld>
             <a:endParaRPr kumimoji="1" lang="ja-JP" altLang="en-US"/>
           </a:p>
@@ -1565,7 +1565,7 @@
           <a:p>
             <a:fld id="{4373ED67-EFDC-487D-901C-C299B0C66302}" type="datetimeFigureOut">
               <a:rPr kumimoji="1" lang="ja-JP" altLang="en-US" smtClean="0"/>
-              <a:t>2020/12/3</a:t>
+              <a:t>2022/6/20</a:t>
             </a:fld>
             <a:endParaRPr kumimoji="1" lang="ja-JP" altLang="en-US"/>
           </a:p>
@@ -2041,7 +2041,7 @@
           <a:p>
             <a:fld id="{4373ED67-EFDC-487D-901C-C299B0C66302}" type="datetimeFigureOut">
               <a:rPr kumimoji="1" lang="ja-JP" altLang="en-US" smtClean="0"/>
-              <a:t>2020/12/3</a:t>
+              <a:t>2022/6/20</a:t>
             </a:fld>
             <a:endParaRPr kumimoji="1" lang="ja-JP" altLang="en-US"/>
           </a:p>
@@ -2182,7 +2182,7 @@
           <a:p>
             <a:fld id="{4373ED67-EFDC-487D-901C-C299B0C66302}" type="datetimeFigureOut">
               <a:rPr kumimoji="1" lang="ja-JP" altLang="en-US" smtClean="0"/>
-              <a:t>2020/12/3</a:t>
+              <a:t>2022/6/20</a:t>
             </a:fld>
             <a:endParaRPr kumimoji="1" lang="ja-JP" altLang="en-US"/>
           </a:p>
@@ -2295,7 +2295,7 @@
           <a:p>
             <a:fld id="{4373ED67-EFDC-487D-901C-C299B0C66302}" type="datetimeFigureOut">
               <a:rPr kumimoji="1" lang="ja-JP" altLang="en-US" smtClean="0"/>
-              <a:t>2020/12/3</a:t>
+              <a:t>2022/6/20</a:t>
             </a:fld>
             <a:endParaRPr kumimoji="1" lang="ja-JP" altLang="en-US"/>
           </a:p>
@@ -2638,7 +2638,7 @@
           <a:p>
             <a:fld id="{4373ED67-EFDC-487D-901C-C299B0C66302}" type="datetimeFigureOut">
               <a:rPr kumimoji="1" lang="ja-JP" altLang="en-US" smtClean="0"/>
-              <a:t>2020/12/3</a:t>
+              <a:t>2022/6/20</a:t>
             </a:fld>
             <a:endParaRPr kumimoji="1" lang="ja-JP" altLang="en-US"/>
           </a:p>
@@ -2926,7 +2926,7 @@
           <a:p>
             <a:fld id="{4373ED67-EFDC-487D-901C-C299B0C66302}" type="datetimeFigureOut">
               <a:rPr kumimoji="1" lang="ja-JP" altLang="en-US" smtClean="0"/>
-              <a:t>2020/12/3</a:t>
+              <a:t>2022/6/20</a:t>
             </a:fld>
             <a:endParaRPr kumimoji="1" lang="ja-JP" altLang="en-US"/>
           </a:p>
@@ -3199,7 +3199,7 @@
           <a:p>
             <a:fld id="{4373ED67-EFDC-487D-901C-C299B0C66302}" type="datetimeFigureOut">
               <a:rPr kumimoji="1" lang="ja-JP" altLang="en-US" smtClean="0"/>
-              <a:t>2020/12/3</a:t>
+              <a:t>2022/6/20</a:t>
             </a:fld>
             <a:endParaRPr kumimoji="1" lang="ja-JP" altLang="en-US"/>
           </a:p>
@@ -3664,12 +3664,31 @@
                       <m:jc m:val="centerGroup"/>
                     </m:oMathParaPr>
                     <m:oMath xmlns:m="http://schemas.openxmlformats.org/officeDocument/2006/math">
-                      <m:r>
-                        <a:rPr lang="en-US" altLang="ja-JP" sz="1600" b="1" i="1" smtClean="0">
-                          <a:latin typeface="Cambria Math" panose="02040503050406030204" pitchFamily="18" charset="0"/>
-                        </a:rPr>
-                        <m:t>𝑩𝑹𝑳</m:t>
-                      </m:r>
+                      <m:sSub>
+                        <m:sSubPr>
+                          <m:ctrlPr>
+                            <a:rPr lang="en-US" altLang="ja-JP" sz="1600" b="1" i="1" smtClean="0">
+                              <a:latin typeface="Cambria Math" panose="02040503050406030204" pitchFamily="18" charset="0"/>
+                            </a:rPr>
+                          </m:ctrlPr>
+                        </m:sSubPr>
+                        <m:e>
+                          <m:r>
+                            <a:rPr lang="en-US" altLang="ja-JP" sz="1600" b="1" i="1" smtClean="0">
+                              <a:latin typeface="Cambria Math" panose="02040503050406030204" pitchFamily="18" charset="0"/>
+                            </a:rPr>
+                            <m:t>𝒇</m:t>
+                          </m:r>
+                        </m:e>
+                        <m:sub>
+                          <m:r>
+                            <a:rPr lang="en-US" altLang="ja-JP" sz="1600" b="0" i="1" smtClean="0">
+                              <a:latin typeface="Cambria Math" panose="02040503050406030204" pitchFamily="18" charset="0"/>
+                            </a:rPr>
+                            <m:t>𝐵𝑅𝐿</m:t>
+                          </m:r>
+                        </m:sub>
+                      </m:sSub>
                     </m:oMath>
                   </m:oMathPara>
                 </a14:m>
@@ -3771,12 +3790,31 @@
                       <m:jc m:val="centerGroup"/>
                     </m:oMathParaPr>
                     <m:oMath xmlns:m="http://schemas.openxmlformats.org/officeDocument/2006/math">
-                      <m:r>
-                        <a:rPr lang="en-US" altLang="ja-JP" sz="1600" b="1" i="1" smtClean="0">
-                          <a:latin typeface="Cambria Math" panose="02040503050406030204" pitchFamily="18" charset="0"/>
-                        </a:rPr>
-                        <m:t>𝑾𝑺𝑩</m:t>
-                      </m:r>
+                      <m:sSub>
+                        <m:sSubPr>
+                          <m:ctrlPr>
+                            <a:rPr lang="en-US" altLang="ja-JP" sz="1600" b="1" i="1" smtClean="0">
+                              <a:latin typeface="Cambria Math" panose="02040503050406030204" pitchFamily="18" charset="0"/>
+                            </a:rPr>
+                          </m:ctrlPr>
+                        </m:sSubPr>
+                        <m:e>
+                          <m:r>
+                            <a:rPr lang="en-US" altLang="ja-JP" sz="1600" b="1" i="1" smtClean="0">
+                              <a:latin typeface="Cambria Math" panose="02040503050406030204" pitchFamily="18" charset="0"/>
+                            </a:rPr>
+                            <m:t>𝒇</m:t>
+                          </m:r>
+                        </m:e>
+                        <m:sub>
+                          <m:r>
+                            <a:rPr lang="en-US" altLang="ja-JP" sz="1600" b="0" i="1" smtClean="0">
+                              <a:latin typeface="Cambria Math" panose="02040503050406030204" pitchFamily="18" charset="0"/>
+                            </a:rPr>
+                            <m:t>𝑊𝑆𝐵</m:t>
+                          </m:r>
+                        </m:sub>
+                      </m:sSub>
                     </m:oMath>
                   </m:oMathPara>
                 </a14:m>
@@ -3878,12 +3916,31 @@
                       <m:jc m:val="centerGroup"/>
                     </m:oMathParaPr>
                     <m:oMath xmlns:m="http://schemas.openxmlformats.org/officeDocument/2006/math">
-                      <m:r>
-                        <a:rPr lang="en-US" altLang="ja-JP" sz="1600" b="1" i="1" smtClean="0">
-                          <a:latin typeface="Cambria Math" panose="02040503050406030204" pitchFamily="18" charset="0"/>
-                        </a:rPr>
-                        <m:t>𝑾𝑺𝑹</m:t>
-                      </m:r>
+                      <m:sSub>
+                        <m:sSubPr>
+                          <m:ctrlPr>
+                            <a:rPr lang="en-US" altLang="ja-JP" sz="1600" b="1" i="1" smtClean="0">
+                              <a:latin typeface="Cambria Math" panose="02040503050406030204" pitchFamily="18" charset="0"/>
+                            </a:rPr>
+                          </m:ctrlPr>
+                        </m:sSubPr>
+                        <m:e>
+                          <m:r>
+                            <a:rPr lang="en-US" altLang="ja-JP" sz="1600" b="1" i="1" smtClean="0">
+                              <a:latin typeface="Cambria Math" panose="02040503050406030204" pitchFamily="18" charset="0"/>
+                            </a:rPr>
+                            <m:t>𝒇</m:t>
+                          </m:r>
+                        </m:e>
+                        <m:sub>
+                          <m:r>
+                            <a:rPr lang="en-US" altLang="ja-JP" sz="1600" b="0" i="1" smtClean="0">
+                              <a:latin typeface="Cambria Math" panose="02040503050406030204" pitchFamily="18" charset="0"/>
+                            </a:rPr>
+                            <m:t>𝑊𝑆𝑅</m:t>
+                          </m:r>
+                        </m:sub>
+                      </m:sSub>
                     </m:oMath>
                   </m:oMathPara>
                 </a14:m>
@@ -3952,7 +4009,7 @@
         <p:spPr>
           <a:xfrm>
             <a:off x="5033977" y="2849259"/>
-            <a:ext cx="1005403" cy="338554"/>
+            <a:ext cx="800219" cy="338554"/>
           </a:xfrm>
           <a:prstGeom prst="rect">
             <a:avLst/>
@@ -3977,7 +4034,7 @@
                 <a:latin typeface="ＭＳ 明朝" panose="02020609040205080304" pitchFamily="17" charset="-128"/>
                 <a:ea typeface="ＭＳ 明朝" panose="02020609040205080304" pitchFamily="17" charset="-128"/>
               </a:rPr>
-              <a:t>(4.10)</a:t>
+              <a:t>(40)</a:t>
             </a:r>
             <a:endParaRPr kumimoji="1" lang="ja-JP" altLang="en-US" sz="1600" dirty="0">
               <a:latin typeface="ＭＳ 明朝" panose="02020609040205080304" pitchFamily="17" charset="-128"/>
@@ -4034,12 +4091,31 @@
                       <m:jc m:val="centerGroup"/>
                     </m:oMathParaPr>
                     <m:oMath xmlns:m="http://schemas.openxmlformats.org/officeDocument/2006/math">
-                      <m:r>
-                        <a:rPr lang="en-US" altLang="ja-JP" sz="1600" b="1" i="1" smtClean="0">
-                          <a:latin typeface="Cambria Math" panose="02040503050406030204" pitchFamily="18" charset="0"/>
-                        </a:rPr>
-                        <m:t>𝑨𝑿</m:t>
-                      </m:r>
+                      <m:sSub>
+                        <m:sSubPr>
+                          <m:ctrlPr>
+                            <a:rPr lang="en-US" altLang="ja-JP" sz="1600" b="1" i="1" smtClean="0">
+                              <a:latin typeface="Cambria Math" panose="02040503050406030204" pitchFamily="18" charset="0"/>
+                            </a:rPr>
+                          </m:ctrlPr>
+                        </m:sSubPr>
+                        <m:e>
+                          <m:r>
+                            <a:rPr lang="en-US" altLang="ja-JP" sz="1600" b="1" i="1" smtClean="0">
+                              <a:latin typeface="Cambria Math" panose="02040503050406030204" pitchFamily="18" charset="0"/>
+                            </a:rPr>
+                            <m:t>𝒇</m:t>
+                          </m:r>
+                        </m:e>
+                        <m:sub>
+                          <m:r>
+                            <a:rPr lang="en-US" altLang="ja-JP" sz="1600" b="0" i="1" smtClean="0">
+                              <a:latin typeface="Cambria Math" panose="02040503050406030204" pitchFamily="18" charset="0"/>
+                            </a:rPr>
+                            <m:t>𝐴𝑋</m:t>
+                          </m:r>
+                        </m:sub>
+                      </m:sSub>
                     </m:oMath>
                   </m:oMathPara>
                 </a14:m>
@@ -4190,7 +4266,7 @@
         <p:spPr>
           <a:xfrm>
             <a:off x="3473360" y="1394926"/>
-            <a:ext cx="1005403" cy="338554"/>
+            <a:ext cx="800219" cy="338554"/>
           </a:xfrm>
           <a:prstGeom prst="rect">
             <a:avLst/>
@@ -4215,7 +4291,7 @@
                 <a:latin typeface="ＭＳ 明朝" panose="02020609040205080304" pitchFamily="17" charset="-128"/>
                 <a:ea typeface="ＭＳ 明朝" panose="02020609040205080304" pitchFamily="17" charset="-128"/>
               </a:rPr>
-              <a:t>(3.25)</a:t>
+              <a:t>(25)</a:t>
             </a:r>
             <a:endParaRPr kumimoji="1" lang="ja-JP" altLang="en-US" sz="1600" dirty="0">
               <a:latin typeface="ＭＳ 明朝" panose="02020609040205080304" pitchFamily="17" charset="-128"/>
@@ -4272,12 +4348,31 @@
                       <m:jc m:val="centerGroup"/>
                     </m:oMathParaPr>
                     <m:oMath xmlns:m="http://schemas.openxmlformats.org/officeDocument/2006/math">
-                      <m:r>
-                        <a:rPr lang="en-US" altLang="ja-JP" sz="1600" b="1" i="1" smtClean="0">
-                          <a:latin typeface="Cambria Math" panose="02040503050406030204" pitchFamily="18" charset="0"/>
-                        </a:rPr>
-                        <m:t>𝑭𝑰𝑨</m:t>
-                      </m:r>
+                      <m:sSub>
+                        <m:sSubPr>
+                          <m:ctrlPr>
+                            <a:rPr lang="en-US" altLang="ja-JP" sz="1600" b="1" i="1" smtClean="0">
+                              <a:latin typeface="Cambria Math" panose="02040503050406030204" pitchFamily="18" charset="0"/>
+                            </a:rPr>
+                          </m:ctrlPr>
+                        </m:sSubPr>
+                        <m:e>
+                          <m:r>
+                            <a:rPr lang="en-US" altLang="ja-JP" sz="1600" b="1" i="1" smtClean="0">
+                              <a:latin typeface="Cambria Math" panose="02040503050406030204" pitchFamily="18" charset="0"/>
+                            </a:rPr>
+                            <m:t>𝒇</m:t>
+                          </m:r>
+                        </m:e>
+                        <m:sub>
+                          <m:r>
+                            <a:rPr lang="en-US" altLang="ja-JP" sz="1600" b="0" i="1" smtClean="0">
+                              <a:latin typeface="Cambria Math" panose="02040503050406030204" pitchFamily="18" charset="0"/>
+                            </a:rPr>
+                            <m:t>𝐹𝐼𝐴</m:t>
+                          </m:r>
+                        </m:sub>
+                      </m:sSub>
                     </m:oMath>
                   </m:oMathPara>
                 </a14:m>
@@ -4420,12 +4515,31 @@
                       <m:jc m:val="centerGroup"/>
                     </m:oMathParaPr>
                     <m:oMath xmlns:m="http://schemas.openxmlformats.org/officeDocument/2006/math">
-                      <m:r>
-                        <a:rPr lang="en-US" altLang="ja-JP" sz="1600" b="1" i="1" smtClean="0">
-                          <a:latin typeface="Cambria Math" panose="02040503050406030204" pitchFamily="18" charset="0"/>
-                        </a:rPr>
-                        <m:t>𝑭𝑳𝑩</m:t>
-                      </m:r>
+                      <m:sSub>
+                        <m:sSubPr>
+                          <m:ctrlPr>
+                            <a:rPr lang="en-US" altLang="ja-JP" sz="1600" b="1" i="1" smtClean="0">
+                              <a:latin typeface="Cambria Math" panose="02040503050406030204" pitchFamily="18" charset="0"/>
+                            </a:rPr>
+                          </m:ctrlPr>
+                        </m:sSubPr>
+                        <m:e>
+                          <m:r>
+                            <a:rPr lang="en-US" altLang="ja-JP" sz="1600" b="1" i="1" smtClean="0">
+                              <a:latin typeface="Cambria Math" panose="02040503050406030204" pitchFamily="18" charset="0"/>
+                            </a:rPr>
+                            <m:t>𝒇</m:t>
+                          </m:r>
+                        </m:e>
+                        <m:sub>
+                          <m:r>
+                            <a:rPr lang="en-US" altLang="ja-JP" sz="1600" b="0" i="1" smtClean="0">
+                              <a:latin typeface="Cambria Math" panose="02040503050406030204" pitchFamily="18" charset="0"/>
+                            </a:rPr>
+                            <m:t>𝐹𝐿𝐵</m:t>
+                          </m:r>
+                        </m:sub>
+                      </m:sSub>
                     </m:oMath>
                   </m:oMathPara>
                 </a14:m>
@@ -4494,7 +4608,7 @@
         <p:spPr>
           <a:xfrm>
             <a:off x="3473360" y="2806842"/>
-            <a:ext cx="1005403" cy="338554"/>
+            <a:ext cx="800219" cy="338554"/>
           </a:xfrm>
           <a:prstGeom prst="rect">
             <a:avLst/>
@@ -4519,7 +4633,7 @@
                 <a:latin typeface="ＭＳ 明朝" panose="02020609040205080304" pitchFamily="17" charset="-128"/>
                 <a:ea typeface="ＭＳ 明朝" panose="02020609040205080304" pitchFamily="17" charset="-128"/>
               </a:rPr>
-              <a:t>(3.27)</a:t>
+              <a:t>(27)</a:t>
             </a:r>
             <a:endParaRPr kumimoji="1" lang="ja-JP" altLang="en-US" sz="1600" dirty="0">
               <a:latin typeface="ＭＳ 明朝" panose="02020609040205080304" pitchFamily="17" charset="-128"/>
@@ -4625,7 +4739,7 @@
         <p:spPr>
           <a:xfrm>
             <a:off x="1276070" y="3494086"/>
-            <a:ext cx="1005403" cy="338554"/>
+            <a:ext cx="800219" cy="338554"/>
           </a:xfrm>
           <a:prstGeom prst="rect">
             <a:avLst/>
@@ -4650,7 +4764,7 @@
                 <a:latin typeface="ＭＳ 明朝" panose="02020609040205080304" pitchFamily="17" charset="-128"/>
                 <a:ea typeface="ＭＳ 明朝" panose="02020609040205080304" pitchFamily="17" charset="-128"/>
               </a:rPr>
-              <a:t>(3.21)</a:t>
+              <a:t>(21)</a:t>
             </a:r>
             <a:endParaRPr kumimoji="1" lang="ja-JP" altLang="en-US" sz="1600" dirty="0">
               <a:latin typeface="ＭＳ 明朝" panose="02020609040205080304" pitchFamily="17" charset="-128"/>
@@ -4674,7 +4788,7 @@
         <p:spPr>
           <a:xfrm>
             <a:off x="1240889" y="2510705"/>
-            <a:ext cx="1005403" cy="338554"/>
+            <a:ext cx="800219" cy="338554"/>
           </a:xfrm>
           <a:prstGeom prst="rect">
             <a:avLst/>
@@ -4699,7 +4813,7 @@
                 <a:latin typeface="ＭＳ 明朝" panose="02020609040205080304" pitchFamily="17" charset="-128"/>
                 <a:ea typeface="ＭＳ 明朝" panose="02020609040205080304" pitchFamily="17" charset="-128"/>
               </a:rPr>
-              <a:t>(3.19)</a:t>
+              <a:t>(19)</a:t>
             </a:r>
             <a:endParaRPr kumimoji="1" lang="ja-JP" altLang="en-US" sz="1600" dirty="0">
               <a:latin typeface="ＭＳ 明朝" panose="02020609040205080304" pitchFamily="17" charset="-128"/>
@@ -4723,7 +4837,7 @@
         <p:spPr>
           <a:xfrm>
             <a:off x="1240889" y="1390828"/>
-            <a:ext cx="1005403" cy="338554"/>
+            <a:ext cx="800219" cy="338554"/>
           </a:xfrm>
           <a:prstGeom prst="rect">
             <a:avLst/>
@@ -4748,7 +4862,7 @@
                 <a:latin typeface="ＭＳ 明朝" panose="02020609040205080304" pitchFamily="17" charset="-128"/>
                 <a:ea typeface="ＭＳ 明朝" panose="02020609040205080304" pitchFamily="17" charset="-128"/>
               </a:rPr>
-              <a:t>(3.18)</a:t>
+              <a:t>(18)</a:t>
             </a:r>
             <a:endParaRPr kumimoji="1" lang="ja-JP" altLang="en-US" sz="1600" dirty="0">
               <a:latin typeface="ＭＳ 明朝" panose="02020609040205080304" pitchFamily="17" charset="-128"/>
@@ -4803,7 +4917,7 @@
             </p:nvSpPr>
             <p:spPr>
               <a:xfrm>
-                <a:off x="306718" y="4808268"/>
+                <a:off x="306718" y="4880092"/>
                 <a:ext cx="1048484" cy="468726"/>
               </a:xfrm>
               <a:prstGeom prst="rect">
@@ -4856,7 +4970,19 @@
                             <a:rPr lang="en-US" altLang="ja-JP" sz="1600" b="0" i="1" smtClean="0">
                               <a:latin typeface="Cambria Math" panose="02040503050406030204" pitchFamily="18" charset="0"/>
                             </a:rPr>
-                            <m:t>𝐸𝐼</m:t>
+                            <m:t>𝑠</m:t>
+                          </m:r>
+                          <m:r>
+                            <a:rPr lang="en-US" altLang="ja-JP" sz="1600" b="0" i="1" smtClean="0">
+                              <a:latin typeface="Cambria Math" panose="02040503050406030204" pitchFamily="18" charset="0"/>
+                            </a:rPr>
+                            <m:t>,</m:t>
+                          </m:r>
+                          <m:r>
+                            <a:rPr lang="en-US" altLang="ja-JP" sz="1600" b="0" i="1" smtClean="0">
+                              <a:latin typeface="Cambria Math" panose="02040503050406030204" pitchFamily="18" charset="0"/>
+                            </a:rPr>
+                            <m:t>𝑒𝑖</m:t>
                           </m:r>
                           <m:r>
                             <a:rPr lang="en-US" altLang="ja-JP" sz="1600" b="0" i="1" smtClean="0">
@@ -4897,7 +5023,7 @@
             </p:nvSpPr>
             <p:spPr>
               <a:xfrm>
-                <a:off x="306718" y="4808268"/>
+                <a:off x="306718" y="4880092"/>
                 <a:ext cx="1048484" cy="468726"/>
               </a:xfrm>
               <a:prstGeom prst="rect">
@@ -4941,7 +5067,7 @@
             </p:nvSpPr>
             <p:spPr>
               <a:xfrm>
-                <a:off x="1749191" y="4077070"/>
+                <a:off x="2110787" y="3744994"/>
                 <a:ext cx="1075765" cy="468726"/>
               </a:xfrm>
               <a:prstGeom prst="rect">
@@ -4991,10 +5117,10 @@
                         </m:e>
                         <m:sub>
                           <m:r>
-                            <a:rPr lang="en-US" altLang="ja-JP" sz="1600" b="1" i="1" smtClean="0">
-                              <a:latin typeface="Cambria Math" panose="02040503050406030204" pitchFamily="18" charset="0"/>
-                            </a:rPr>
-                            <m:t>𝒓𝒆𝒂𝒓</m:t>
+                            <a:rPr lang="en-US" altLang="ja-JP" sz="1600" b="0" i="1" smtClean="0">
+                              <a:latin typeface="Cambria Math" panose="02040503050406030204" pitchFamily="18" charset="0"/>
+                            </a:rPr>
+                            <m:t>𝑟𝑒𝑎𝑟</m:t>
                           </m:r>
                           <m:r>
                             <a:rPr lang="en-US" altLang="ja-JP" sz="1600" b="0" i="1" smtClean="0">
@@ -5035,7 +5161,7 @@
             </p:nvSpPr>
             <p:spPr>
               <a:xfrm>
-                <a:off x="1749191" y="4077070"/>
+                <a:off x="2110787" y="3744994"/>
                 <a:ext cx="1075765" cy="468726"/>
               </a:xfrm>
               <a:prstGeom prst="rect">
@@ -5077,8 +5203,8 @@
         </p:nvSpPr>
         <p:spPr>
           <a:xfrm>
-            <a:off x="1710678" y="3659567"/>
-            <a:ext cx="1005403" cy="338554"/>
+            <a:off x="2141839" y="4190284"/>
+            <a:ext cx="800219" cy="338554"/>
           </a:xfrm>
           <a:prstGeom prst="rect">
             <a:avLst/>
@@ -5103,7 +5229,7 @@
                 <a:latin typeface="ＭＳ 明朝" panose="02020609040205080304" pitchFamily="17" charset="-128"/>
                 <a:ea typeface="ＭＳ 明朝" panose="02020609040205080304" pitchFamily="17" charset="-128"/>
               </a:rPr>
-              <a:t>(3.13)</a:t>
+              <a:t>(13)</a:t>
             </a:r>
             <a:endParaRPr kumimoji="1" lang="ja-JP" altLang="en-US" sz="1600" dirty="0">
               <a:latin typeface="ＭＳ 明朝" panose="02020609040205080304" pitchFamily="17" charset="-128"/>
@@ -5128,7 +5254,7 @@
             </p:nvSpPr>
             <p:spPr>
               <a:xfrm>
-                <a:off x="276967" y="1577956"/>
+                <a:off x="276967" y="1988914"/>
                 <a:ext cx="1075765" cy="468726"/>
               </a:xfrm>
               <a:prstGeom prst="rect">
@@ -5181,6 +5307,18 @@
                             <a:rPr lang="en-US" altLang="ja-JP" sz="1600" b="0" i="1" smtClean="0">
                               <a:latin typeface="Cambria Math" panose="02040503050406030204" pitchFamily="18" charset="0"/>
                             </a:rPr>
+                            <m:t>𝑠</m:t>
+                          </m:r>
+                          <m:r>
+                            <a:rPr lang="en-US" altLang="ja-JP" sz="1600" b="0" i="1" smtClean="0">
+                              <a:latin typeface="Cambria Math" panose="02040503050406030204" pitchFamily="18" charset="0"/>
+                            </a:rPr>
+                            <m:t>,</m:t>
+                          </m:r>
+                          <m:r>
+                            <a:rPr lang="en-US" altLang="ja-JP" sz="1600" b="0" i="1" smtClean="0">
+                              <a:latin typeface="Cambria Math" panose="02040503050406030204" pitchFamily="18" charset="0"/>
+                            </a:rPr>
                             <m:t>𝑛</m:t>
                           </m:r>
                         </m:sub>
@@ -5210,7 +5348,7 @@
             </p:nvSpPr>
             <p:spPr>
               <a:xfrm>
-                <a:off x="276967" y="1577956"/>
+                <a:off x="276967" y="1988914"/>
                 <a:ext cx="1075765" cy="468726"/>
               </a:xfrm>
               <a:prstGeom prst="rect">
@@ -5254,7 +5392,7 @@
             </p:nvSpPr>
             <p:spPr>
               <a:xfrm>
-                <a:off x="276966" y="2332965"/>
+                <a:off x="276966" y="2743923"/>
                 <a:ext cx="1075765" cy="468726"/>
               </a:xfrm>
               <a:prstGeom prst="rect">
@@ -5289,7 +5427,7 @@
                       <m:sSubSup>
                         <m:sSubSupPr>
                           <m:ctrlPr>
-                            <a:rPr lang="ja-JP" altLang="ja-JP" sz="1600" i="1">
+                            <a:rPr lang="ja-JP" altLang="ja-JP" sz="1600" i="1" smtClean="0">
                               <a:latin typeface="Cambria Math" panose="02040503050406030204" pitchFamily="18" charset="0"/>
                             </a:rPr>
                           </m:ctrlPr>
@@ -5304,22 +5442,22 @@
                         </m:e>
                         <m:sub>
                           <m:r>
+                            <a:rPr lang="en-US" altLang="ja-JP" sz="1600" b="0" i="1" smtClean="0">
+                              <a:latin typeface="Cambria Math" panose="02040503050406030204" pitchFamily="18" charset="0"/>
+                            </a:rPr>
+                            <m:t>𝑠</m:t>
+                          </m:r>
+                          <m:r>
                             <a:rPr lang="en-US" altLang="ja-JP" sz="1600" b="0" i="1">
                               <a:latin typeface="Cambria Math" panose="02040503050406030204" pitchFamily="18" charset="0"/>
                             </a:rPr>
-                            <m:t>𝑆</m:t>
-                          </m:r>
-                          <m:r>
-                            <a:rPr lang="en-US" altLang="ja-JP" sz="1600" b="0" i="1">
-                              <a:latin typeface="Cambria Math" panose="02040503050406030204" pitchFamily="18" charset="0"/>
-                            </a:rPr>
                             <m:t>,</m:t>
                           </m:r>
                           <m:r>
-                            <a:rPr lang="en-US" altLang="ja-JP" sz="1600" b="0" i="1">
-                              <a:latin typeface="Cambria Math" panose="02040503050406030204" pitchFamily="18" charset="0"/>
-                            </a:rPr>
-                            <m:t>𝐴</m:t>
+                            <a:rPr lang="en-US" altLang="ja-JP" sz="1600" b="0" i="1" smtClean="0">
+                              <a:latin typeface="Cambria Math" panose="02040503050406030204" pitchFamily="18" charset="0"/>
+                            </a:rPr>
+                            <m:t>𝑎</m:t>
                           </m:r>
                           <m:r>
                             <a:rPr lang="en-US" altLang="ja-JP" sz="1600" i="1">
@@ -5380,7 +5518,7 @@
             </p:nvSpPr>
             <p:spPr>
               <a:xfrm>
-                <a:off x="276966" y="2332965"/>
+                <a:off x="276966" y="2743923"/>
                 <a:ext cx="1075765" cy="468726"/>
               </a:xfrm>
               <a:prstGeom prst="rect">
@@ -5424,7 +5562,7 @@
             </p:nvSpPr>
             <p:spPr>
               <a:xfrm>
-                <a:off x="3046792" y="1421007"/>
+                <a:off x="3407192" y="2004435"/>
                 <a:ext cx="1075765" cy="468726"/>
               </a:xfrm>
               <a:prstGeom prst="rect">
@@ -5459,7 +5597,7 @@
                       <m:sSubSup>
                         <m:sSubSupPr>
                           <m:ctrlPr>
-                            <a:rPr lang="ja-JP" altLang="ja-JP" sz="1600" i="1">
+                            <a:rPr lang="ja-JP" altLang="ja-JP" sz="1600" i="1" smtClean="0">
                               <a:latin typeface="Cambria Math" panose="02040503050406030204" pitchFamily="18" charset="0"/>
                             </a:rPr>
                           </m:ctrlPr>
@@ -5474,22 +5612,22 @@
                         </m:e>
                         <m:sub>
                           <m:r>
+                            <a:rPr lang="en-US" altLang="ja-JP" sz="1600" b="0" i="1" smtClean="0">
+                              <a:latin typeface="Cambria Math" panose="02040503050406030204" pitchFamily="18" charset="0"/>
+                            </a:rPr>
+                            <m:t>𝑠</m:t>
+                          </m:r>
+                          <m:r>
                             <a:rPr lang="en-US" altLang="ja-JP" sz="1600" b="0" i="1">
                               <a:latin typeface="Cambria Math" panose="02040503050406030204" pitchFamily="18" charset="0"/>
                             </a:rPr>
-                            <m:t>𝑆</m:t>
-                          </m:r>
-                          <m:r>
-                            <a:rPr lang="en-US" altLang="ja-JP" sz="1600" b="0" i="1">
-                              <a:latin typeface="Cambria Math" panose="02040503050406030204" pitchFamily="18" charset="0"/>
-                            </a:rPr>
                             <m:t>,</m:t>
                           </m:r>
                           <m:r>
-                            <a:rPr lang="en-US" altLang="ja-JP" sz="1600" b="0" i="1">
-                              <a:latin typeface="Cambria Math" panose="02040503050406030204" pitchFamily="18" charset="0"/>
-                            </a:rPr>
-                            <m:t>𝐴</m:t>
+                            <a:rPr lang="en-US" altLang="ja-JP" sz="1600" b="0" i="1" smtClean="0">
+                              <a:latin typeface="Cambria Math" panose="02040503050406030204" pitchFamily="18" charset="0"/>
+                            </a:rPr>
+                            <m:t>𝑎</m:t>
                           </m:r>
                           <m:r>
                             <a:rPr lang="en-US" altLang="ja-JP" sz="1600" b="0" i="1">
@@ -5556,7 +5694,7 @@
             </p:nvSpPr>
             <p:spPr>
               <a:xfrm>
-                <a:off x="3046792" y="1421007"/>
+                <a:off x="3407192" y="2004435"/>
                 <a:ext cx="1075765" cy="468726"/>
               </a:xfrm>
               <a:prstGeom prst="rect">
@@ -5598,8 +5736,8 @@
         </p:nvSpPr>
         <p:spPr>
           <a:xfrm>
-            <a:off x="3088384" y="1051675"/>
-            <a:ext cx="902811" cy="338554"/>
+            <a:off x="3448784" y="1635103"/>
+            <a:ext cx="697627" cy="338554"/>
           </a:xfrm>
           <a:prstGeom prst="rect">
             <a:avLst/>
@@ -5624,7 +5762,7 @@
                 <a:latin typeface="ＭＳ 明朝" panose="02020609040205080304" pitchFamily="17" charset="-128"/>
                 <a:ea typeface="ＭＳ 明朝" panose="02020609040205080304" pitchFamily="17" charset="-128"/>
               </a:rPr>
-              <a:t>(3.5)</a:t>
+              <a:t>(5)</a:t>
             </a:r>
             <a:endParaRPr kumimoji="1" lang="ja-JP" altLang="en-US" sz="1600" dirty="0">
               <a:latin typeface="ＭＳ 明朝" panose="02020609040205080304" pitchFamily="17" charset="-128"/>
@@ -5649,7 +5787,7 @@
             </p:nvSpPr>
             <p:spPr>
               <a:xfrm>
-                <a:off x="276966" y="3019039"/>
+                <a:off x="276966" y="3561323"/>
                 <a:ext cx="1075765" cy="468726"/>
               </a:xfrm>
               <a:prstGeom prst="rect">
@@ -5699,25 +5837,25 @@
                         </m:e>
                         <m:sub>
                           <m:r>
-                            <a:rPr lang="en-US" altLang="ja-JP" sz="1600" b="1" i="1">
-                              <a:latin typeface="Cambria Math" panose="02040503050406030204" pitchFamily="18" charset="0"/>
-                            </a:rPr>
-                            <m:t>𝑺</m:t>
-                          </m:r>
-                          <m:r>
-                            <a:rPr lang="en-US" altLang="ja-JP" sz="1600" b="1" i="1">
+                            <a:rPr lang="en-US" altLang="ja-JP" sz="1600" b="0" i="1" smtClean="0">
+                              <a:latin typeface="Cambria Math" panose="02040503050406030204" pitchFamily="18" charset="0"/>
+                            </a:rPr>
+                            <m:t>𝑠</m:t>
+                          </m:r>
+                          <m:r>
+                            <a:rPr lang="en-US" altLang="ja-JP" sz="1600" b="0" i="1">
                               <a:latin typeface="Cambria Math" panose="02040503050406030204" pitchFamily="18" charset="0"/>
                             </a:rPr>
                             <m:t>,</m:t>
                           </m:r>
                           <m:r>
-                            <a:rPr lang="en-US" altLang="ja-JP" sz="1600" b="1" i="1" smtClean="0">
-                              <a:latin typeface="Cambria Math" panose="02040503050406030204" pitchFamily="18" charset="0"/>
-                            </a:rPr>
-                            <m:t>𝑻</m:t>
-                          </m:r>
-                          <m:r>
-                            <a:rPr lang="en-US" altLang="ja-JP" sz="1600" i="1">
+                            <a:rPr lang="en-US" altLang="ja-JP" sz="1600" b="0" i="1" smtClean="0">
+                              <a:latin typeface="Cambria Math" panose="02040503050406030204" pitchFamily="18" charset="0"/>
+                            </a:rPr>
+                            <m:t>𝑡</m:t>
+                          </m:r>
+                          <m:r>
+                            <a:rPr lang="en-US" altLang="ja-JP" sz="1600" b="0" i="1">
                               <a:latin typeface="Cambria Math" panose="02040503050406030204" pitchFamily="18" charset="0"/>
                             </a:rPr>
                             <m:t>,</m:t>
@@ -5775,7 +5913,7 @@
             </p:nvSpPr>
             <p:spPr>
               <a:xfrm>
-                <a:off x="276966" y="3019039"/>
+                <a:off x="276966" y="3561323"/>
                 <a:ext cx="1075765" cy="468726"/>
               </a:xfrm>
               <a:prstGeom prst="rect">
@@ -5819,7 +5957,7 @@
             </p:nvSpPr>
             <p:spPr>
               <a:xfrm>
-                <a:off x="3021268" y="3072493"/>
+                <a:off x="3381668" y="3072493"/>
                 <a:ext cx="1075765" cy="468726"/>
               </a:xfrm>
               <a:prstGeom prst="rect">
@@ -5869,25 +6007,25 @@
                         </m:e>
                         <m:sub>
                           <m:r>
-                            <a:rPr lang="en-US" altLang="ja-JP" sz="1600" b="1" i="1">
-                              <a:latin typeface="Cambria Math" panose="02040503050406030204" pitchFamily="18" charset="0"/>
-                            </a:rPr>
-                            <m:t>𝑺</m:t>
-                          </m:r>
-                          <m:r>
-                            <a:rPr lang="en-US" altLang="ja-JP" sz="1600" b="1" i="1">
+                            <a:rPr lang="en-US" altLang="ja-JP" sz="1600" b="0" i="1" smtClean="0">
+                              <a:latin typeface="Cambria Math" panose="02040503050406030204" pitchFamily="18" charset="0"/>
+                            </a:rPr>
+                            <m:t>𝑠</m:t>
+                          </m:r>
+                          <m:r>
+                            <a:rPr lang="en-US" altLang="ja-JP" sz="1600" b="0" i="1">
                               <a:latin typeface="Cambria Math" panose="02040503050406030204" pitchFamily="18" charset="0"/>
                             </a:rPr>
                             <m:t>,</m:t>
                           </m:r>
                           <m:r>
-                            <a:rPr lang="en-US" altLang="ja-JP" sz="1600" b="1" i="1" smtClean="0">
-                              <a:latin typeface="Cambria Math" panose="02040503050406030204" pitchFamily="18" charset="0"/>
-                            </a:rPr>
-                            <m:t>𝑻</m:t>
-                          </m:r>
-                          <m:r>
-                            <a:rPr lang="en-US" altLang="ja-JP" sz="1600" i="1">
+                            <a:rPr lang="en-US" altLang="ja-JP" sz="1600" b="0" i="1" smtClean="0">
+                              <a:latin typeface="Cambria Math" panose="02040503050406030204" pitchFamily="18" charset="0"/>
+                            </a:rPr>
+                            <m:t>𝑡</m:t>
+                          </m:r>
+                          <m:r>
+                            <a:rPr lang="en-US" altLang="ja-JP" sz="1600" b="0" i="1">
                               <a:latin typeface="Cambria Math" panose="02040503050406030204" pitchFamily="18" charset="0"/>
                             </a:rPr>
                             <m:t>,</m:t>
@@ -5951,7 +6089,7 @@
             </p:nvSpPr>
             <p:spPr>
               <a:xfrm>
-                <a:off x="3021268" y="3072493"/>
+                <a:off x="3381668" y="3072493"/>
                 <a:ext cx="1075765" cy="468726"/>
               </a:xfrm>
               <a:prstGeom prst="rect">
@@ -5993,8 +6131,8 @@
         </p:nvSpPr>
         <p:spPr>
           <a:xfrm>
-            <a:off x="3068791" y="2694843"/>
-            <a:ext cx="902811" cy="338554"/>
+            <a:off x="3429191" y="2694843"/>
+            <a:ext cx="697627" cy="338554"/>
           </a:xfrm>
           <a:prstGeom prst="rect">
             <a:avLst/>
@@ -6019,7 +6157,7 @@
                 <a:latin typeface="ＭＳ 明朝" panose="02020609040205080304" pitchFamily="17" charset="-128"/>
                 <a:ea typeface="ＭＳ 明朝" panose="02020609040205080304" pitchFamily="17" charset="-128"/>
               </a:rPr>
-              <a:t>(3.6)</a:t>
+              <a:t>(6)</a:t>
             </a:r>
             <a:endParaRPr kumimoji="1" lang="ja-JP" altLang="en-US" sz="1600" dirty="0">
               <a:latin typeface="ＭＳ 明朝" panose="02020609040205080304" pitchFamily="17" charset="-128"/>
@@ -6044,7 +6182,7 @@
             </p:nvSpPr>
             <p:spPr>
               <a:xfrm>
-                <a:off x="4481747" y="1961943"/>
+                <a:off x="4842147" y="2439905"/>
                 <a:ext cx="1075765" cy="468726"/>
               </a:xfrm>
               <a:prstGeom prst="rect">
@@ -6089,10 +6227,22 @@
                             <a:rPr lang="en-US" altLang="ja-JP" sz="1600" b="1" i="1" smtClean="0">
                               <a:latin typeface="Cambria Math" panose="02040503050406030204" pitchFamily="18" charset="0"/>
                             </a:rPr>
-                            <m:t>𝑪𝑽𝑳</m:t>
+                            <m:t>𝒇</m:t>
                           </m:r>
                         </m:e>
                         <m:sub>
+                          <m:r>
+                            <a:rPr lang="en-US" altLang="ja-JP" sz="1600" b="0" i="1" smtClean="0">
+                              <a:latin typeface="Cambria Math" panose="02040503050406030204" pitchFamily="18" charset="0"/>
+                            </a:rPr>
+                            <m:t>𝐶𝑉𝐿</m:t>
+                          </m:r>
+                          <m:r>
+                            <a:rPr lang="en-US" altLang="ja-JP" sz="1600" b="0" i="1" smtClean="0">
+                              <a:latin typeface="Cambria Math" panose="02040503050406030204" pitchFamily="18" charset="0"/>
+                            </a:rPr>
+                            <m:t>,</m:t>
+                          </m:r>
                           <m:r>
                             <a:rPr lang="en-US" altLang="ja-JP" sz="1600" b="0" i="1" smtClean="0">
                               <a:latin typeface="Cambria Math" panose="02040503050406030204" pitchFamily="18" charset="0"/>
@@ -6132,7 +6282,7 @@
             </p:nvSpPr>
             <p:spPr>
               <a:xfrm>
-                <a:off x="4481747" y="1961943"/>
+                <a:off x="4842147" y="2439905"/>
                 <a:ext cx="1075765" cy="468726"/>
               </a:xfrm>
               <a:prstGeom prst="rect">
@@ -6174,7 +6324,7 @@
         </p:nvSpPr>
         <p:spPr>
           <a:xfrm>
-            <a:off x="4570789" y="1596089"/>
+            <a:off x="4931189" y="2074051"/>
             <a:ext cx="1005403" cy="338554"/>
           </a:xfrm>
           <a:prstGeom prst="rect">
@@ -6200,7 +6350,7 @@
                 <a:latin typeface="ＭＳ 明朝" panose="02020609040205080304" pitchFamily="17" charset="-128"/>
                 <a:ea typeface="ＭＳ 明朝" panose="02020609040205080304" pitchFamily="17" charset="-128"/>
               </a:rPr>
-              <a:t>(3.22)</a:t>
+              <a:t>(22)</a:t>
             </a:r>
             <a:endParaRPr kumimoji="1" lang="ja-JP" altLang="en-US" sz="1600" dirty="0">
               <a:latin typeface="ＭＳ 明朝" panose="02020609040205080304" pitchFamily="17" charset="-128"/>
@@ -6225,7 +6375,7 @@
             </p:nvSpPr>
             <p:spPr>
               <a:xfrm>
-                <a:off x="6007110" y="2509560"/>
+                <a:off x="6367510" y="2509560"/>
                 <a:ext cx="1075765" cy="468726"/>
               </a:xfrm>
               <a:prstGeom prst="rect">
@@ -6270,10 +6420,22 @@
                             <a:rPr lang="en-US" altLang="ja-JP" sz="1600" b="1" i="1" smtClean="0">
                               <a:latin typeface="Cambria Math" panose="02040503050406030204" pitchFamily="18" charset="0"/>
                             </a:rPr>
-                            <m:t>𝑾𝑺𝑽</m:t>
+                            <m:t>𝒇</m:t>
                           </m:r>
                         </m:e>
                         <m:sub>
+                          <m:r>
+                            <a:rPr lang="en-US" altLang="ja-JP" sz="1600" b="0" i="1" smtClean="0">
+                              <a:latin typeface="Cambria Math" panose="02040503050406030204" pitchFamily="18" charset="0"/>
+                            </a:rPr>
+                            <m:t>𝑊𝑆𝑉</m:t>
+                          </m:r>
+                          <m:r>
+                            <a:rPr lang="en-US" altLang="ja-JP" sz="1600" b="0" i="1" smtClean="0">
+                              <a:latin typeface="Cambria Math" panose="02040503050406030204" pitchFamily="18" charset="0"/>
+                            </a:rPr>
+                            <m:t>,</m:t>
+                          </m:r>
                           <m:r>
                             <a:rPr lang="en-US" altLang="ja-JP" sz="1600" b="0" i="1" smtClean="0">
                               <a:latin typeface="Cambria Math" panose="02040503050406030204" pitchFamily="18" charset="0"/>
@@ -6313,7 +6475,7 @@
             </p:nvSpPr>
             <p:spPr>
               <a:xfrm>
-                <a:off x="6007110" y="2509560"/>
+                <a:off x="6367510" y="2509560"/>
                 <a:ext cx="1075765" cy="468726"/>
               </a:xfrm>
               <a:prstGeom prst="rect">
@@ -6355,8 +6517,8 @@
         </p:nvSpPr>
         <p:spPr>
           <a:xfrm>
-            <a:off x="5771348" y="1798864"/>
-            <a:ext cx="1005403" cy="584775"/>
+            <a:off x="6131748" y="1798864"/>
+            <a:ext cx="800219" cy="584775"/>
           </a:xfrm>
           <a:prstGeom prst="rect">
             <a:avLst/>
@@ -6381,7 +6543,7 @@
                 <a:latin typeface="ＭＳ 明朝" panose="02020609040205080304" pitchFamily="17" charset="-128"/>
                 <a:ea typeface="ＭＳ 明朝" panose="02020609040205080304" pitchFamily="17" charset="-128"/>
               </a:rPr>
-              <a:t>(3.26)</a:t>
+              <a:t>(26)</a:t>
             </a:r>
           </a:p>
           <a:p>
@@ -6397,7 +6559,7 @@
                 <a:latin typeface="ＭＳ 明朝" panose="02020609040205080304" pitchFamily="17" charset="-128"/>
                 <a:ea typeface="ＭＳ 明朝" panose="02020609040205080304" pitchFamily="17" charset="-128"/>
               </a:rPr>
-              <a:t>(3.28)</a:t>
+              <a:t>(28)</a:t>
             </a:r>
             <a:endParaRPr kumimoji="1" lang="ja-JP" altLang="en-US" sz="1600" dirty="0">
               <a:latin typeface="ＭＳ 明朝" panose="02020609040205080304" pitchFamily="17" charset="-128"/>
@@ -6422,7 +6584,7 @@
             </p:nvSpPr>
             <p:spPr>
               <a:xfrm>
-                <a:off x="279436" y="6254753"/>
+                <a:off x="5380029" y="6151274"/>
                 <a:ext cx="1075765" cy="468726"/>
               </a:xfrm>
               <a:prstGeom prst="rect">
@@ -6516,7 +6678,7 @@
             </p:nvSpPr>
             <p:spPr>
               <a:xfrm>
-                <a:off x="279436" y="6254753"/>
+                <a:off x="5380029" y="6151274"/>
                 <a:ext cx="1075765" cy="468726"/>
               </a:xfrm>
               <a:prstGeom prst="rect">
@@ -6560,7 +6722,7 @@
             </p:nvSpPr>
             <p:spPr>
               <a:xfrm>
-                <a:off x="2932305" y="6189867"/>
+                <a:off x="6634449" y="6151274"/>
                 <a:ext cx="1075765" cy="468726"/>
               </a:xfrm>
               <a:prstGeom prst="rect">
@@ -6666,7 +6828,7 @@
             </p:nvSpPr>
             <p:spPr>
               <a:xfrm>
-                <a:off x="2932305" y="6189867"/>
+                <a:off x="6634449" y="6151274"/>
                 <a:ext cx="1075765" cy="468726"/>
               </a:xfrm>
               <a:prstGeom prst="rect">
@@ -6710,7 +6872,7 @@
             </p:nvSpPr>
             <p:spPr>
               <a:xfrm>
-                <a:off x="7779473" y="5216493"/>
+                <a:off x="8139873" y="5216493"/>
                 <a:ext cx="1075765" cy="468726"/>
               </a:xfrm>
               <a:prstGeom prst="rect">
@@ -6755,10 +6917,22 @@
                             <a:rPr lang="en-US" altLang="ja-JP" sz="1600" b="1" i="1" smtClean="0">
                               <a:latin typeface="Cambria Math" panose="02040503050406030204" pitchFamily="18" charset="0"/>
                             </a:rPr>
-                            <m:t>𝑩𝑹𝑴</m:t>
+                            <m:t>𝒇</m:t>
                           </m:r>
                         </m:e>
                         <m:sub>
+                          <m:r>
+                            <a:rPr lang="en-US" altLang="ja-JP" sz="1600" b="0" i="1" smtClean="0">
+                              <a:latin typeface="Cambria Math" panose="02040503050406030204" pitchFamily="18" charset="0"/>
+                            </a:rPr>
+                            <m:t>𝐵𝑅𝑀</m:t>
+                          </m:r>
+                          <m:r>
+                            <a:rPr lang="en-US" altLang="ja-JP" sz="1600" b="0" i="1" smtClean="0">
+                              <a:latin typeface="Cambria Math" panose="02040503050406030204" pitchFamily="18" charset="0"/>
+                            </a:rPr>
+                            <m:t>,</m:t>
+                          </m:r>
                           <m:r>
                             <a:rPr lang="en-US" altLang="ja-JP" sz="1600" b="0" i="1" smtClean="0">
                               <a:latin typeface="Cambria Math" panose="02040503050406030204" pitchFamily="18" charset="0"/>
@@ -6792,7 +6966,7 @@
             </p:nvSpPr>
             <p:spPr>
               <a:xfrm>
-                <a:off x="7779473" y="5216493"/>
+                <a:off x="8139873" y="5216493"/>
                 <a:ext cx="1075765" cy="468726"/>
               </a:xfrm>
               <a:prstGeom prst="rect">
@@ -6836,7 +7010,7 @@
             </p:nvSpPr>
             <p:spPr>
               <a:xfrm>
-                <a:off x="7777003" y="4603146"/>
+                <a:off x="8137403" y="4603146"/>
                 <a:ext cx="1065145" cy="468726"/>
               </a:xfrm>
               <a:prstGeom prst="rect">
@@ -6881,10 +7055,22 @@
                             <a:rPr lang="en-US" altLang="ja-JP" sz="1600" b="1" i="1" smtClean="0">
                               <a:latin typeface="Cambria Math" panose="02040503050406030204" pitchFamily="18" charset="0"/>
                             </a:rPr>
-                            <m:t>𝑩𝑹𝑪</m:t>
+                            <m:t>𝒇</m:t>
                           </m:r>
                         </m:e>
                         <m:sub>
+                          <m:r>
+                            <a:rPr lang="en-US" altLang="ja-JP" sz="1600" b="0" i="1" smtClean="0">
+                              <a:latin typeface="Cambria Math" panose="02040503050406030204" pitchFamily="18" charset="0"/>
+                            </a:rPr>
+                            <m:t>𝐵𝑅𝐶</m:t>
+                          </m:r>
+                          <m:r>
+                            <a:rPr lang="en-US" altLang="ja-JP" sz="1600" b="0" i="1" smtClean="0">
+                              <a:latin typeface="Cambria Math" panose="02040503050406030204" pitchFamily="18" charset="0"/>
+                            </a:rPr>
+                            <m:t>,</m:t>
+                          </m:r>
                           <m:r>
                             <a:rPr lang="en-US" altLang="ja-JP" sz="1600" b="0" i="1" smtClean="0">
                               <a:latin typeface="Cambria Math" panose="02040503050406030204" pitchFamily="18" charset="0"/>
@@ -6918,7 +7104,7 @@
             </p:nvSpPr>
             <p:spPr>
               <a:xfrm>
-                <a:off x="7777003" y="4603146"/>
+                <a:off x="8137403" y="4603146"/>
                 <a:ext cx="1065145" cy="468726"/>
               </a:xfrm>
               <a:prstGeom prst="rect">
@@ -6962,7 +7148,7 @@
             </p:nvSpPr>
             <p:spPr>
               <a:xfrm>
-                <a:off x="304246" y="5525336"/>
+                <a:off x="304246" y="6151274"/>
                 <a:ext cx="1048485" cy="468726"/>
               </a:xfrm>
               <a:prstGeom prst="rect">
@@ -7062,7 +7248,7 @@
             </p:nvSpPr>
             <p:spPr>
               <a:xfrm>
-                <a:off x="304246" y="5525336"/>
+                <a:off x="304246" y="6151274"/>
                 <a:ext cx="1048485" cy="468726"/>
               </a:xfrm>
               <a:prstGeom prst="rect">
@@ -7106,7 +7292,7 @@
             </p:nvSpPr>
             <p:spPr>
               <a:xfrm>
-                <a:off x="5339062" y="328083"/>
+                <a:off x="5699462" y="328083"/>
                 <a:ext cx="1075765" cy="468726"/>
               </a:xfrm>
               <a:prstGeom prst="rect">
@@ -7194,7 +7380,7 @@
             </p:nvSpPr>
             <p:spPr>
               <a:xfrm>
-                <a:off x="5339062" y="328083"/>
+                <a:off x="5699462" y="328083"/>
                 <a:ext cx="1075765" cy="468726"/>
               </a:xfrm>
               <a:prstGeom prst="rect">
@@ -7238,7 +7424,7 @@
             </p:nvSpPr>
             <p:spPr>
               <a:xfrm>
-                <a:off x="5347549" y="917999"/>
+                <a:off x="5707949" y="917999"/>
                 <a:ext cx="1075765" cy="468726"/>
               </a:xfrm>
               <a:prstGeom prst="rect">
@@ -7326,7 +7512,7 @@
             </p:nvSpPr>
             <p:spPr>
               <a:xfrm>
-                <a:off x="5347549" y="917999"/>
+                <a:off x="5707949" y="917999"/>
                 <a:ext cx="1075765" cy="468726"/>
               </a:xfrm>
               <a:prstGeom prst="rect">
@@ -7370,7 +7556,7 @@
             </p:nvSpPr>
             <p:spPr>
               <a:xfrm>
-                <a:off x="7841840" y="1828172"/>
+                <a:off x="8202240" y="1828172"/>
                 <a:ext cx="1075765" cy="468726"/>
               </a:xfrm>
               <a:prstGeom prst="rect">
@@ -7405,20 +7591,32 @@
                       <m:sSub>
                         <m:sSubPr>
                           <m:ctrlPr>
-                            <a:rPr lang="ja-JP" altLang="ja-JP" sz="1600" i="1">
+                            <a:rPr lang="ja-JP" altLang="ja-JP" sz="1600" i="1" smtClean="0">
                               <a:latin typeface="Cambria Math" panose="02040503050406030204" pitchFamily="18" charset="0"/>
                             </a:rPr>
                           </m:ctrlPr>
                         </m:sSubPr>
                         <m:e>
                           <m:r>
-                            <a:rPr lang="en-US" altLang="ja-JP" sz="1600" b="1" i="1">
-                              <a:latin typeface="Cambria Math" panose="02040503050406030204" pitchFamily="18" charset="0"/>
-                            </a:rPr>
-                            <m:t>𝑿𝑶𝑻</m:t>
+                            <a:rPr lang="en-US" altLang="ja-JP" sz="1600" b="1" i="1" smtClean="0">
+                              <a:latin typeface="Cambria Math" panose="02040503050406030204" pitchFamily="18" charset="0"/>
+                            </a:rPr>
+                            <m:t>𝒇</m:t>
                           </m:r>
                         </m:e>
                         <m:sub>
+                          <m:r>
+                            <a:rPr lang="en-US" altLang="ja-JP" sz="1600" b="0" i="1" smtClean="0">
+                              <a:latin typeface="Cambria Math" panose="02040503050406030204" pitchFamily="18" charset="0"/>
+                            </a:rPr>
+                            <m:t>𝑋𝑂𝑇</m:t>
+                          </m:r>
+                          <m:r>
+                            <a:rPr lang="en-US" altLang="ja-JP" sz="1600" b="1" i="1" smtClean="0">
+                              <a:latin typeface="Cambria Math" panose="02040503050406030204" pitchFamily="18" charset="0"/>
+                            </a:rPr>
+                            <m:t>,</m:t>
+                          </m:r>
                           <m:r>
                             <a:rPr lang="en-US" altLang="ja-JP" sz="1600" i="1">
                               <a:latin typeface="Cambria Math" panose="02040503050406030204" pitchFamily="18" charset="0"/>
@@ -7458,7 +7656,7 @@
             </p:nvSpPr>
             <p:spPr>
               <a:xfrm>
-                <a:off x="7841840" y="1828172"/>
+                <a:off x="8202240" y="1828172"/>
                 <a:ext cx="1075765" cy="468726"/>
               </a:xfrm>
               <a:prstGeom prst="rect">
@@ -7502,7 +7700,7 @@
             </p:nvSpPr>
             <p:spPr>
               <a:xfrm>
-                <a:off x="7836620" y="1191991"/>
+                <a:off x="8197020" y="1191991"/>
                 <a:ext cx="1075765" cy="468726"/>
               </a:xfrm>
               <a:prstGeom prst="rect">
@@ -7537,20 +7735,32 @@
                       <m:sSub>
                         <m:sSubPr>
                           <m:ctrlPr>
-                            <a:rPr lang="ja-JP" altLang="ja-JP" sz="1600" i="1">
+                            <a:rPr lang="ja-JP" altLang="ja-JP" sz="1600" i="1" smtClean="0">
                               <a:latin typeface="Cambria Math" panose="02040503050406030204" pitchFamily="18" charset="0"/>
                             </a:rPr>
                           </m:ctrlPr>
                         </m:sSubPr>
                         <m:e>
                           <m:r>
-                            <a:rPr lang="en-US" altLang="ja-JP" sz="1600" b="1" i="1">
-                              <a:latin typeface="Cambria Math" panose="02040503050406030204" pitchFamily="18" charset="0"/>
-                            </a:rPr>
-                            <m:t>𝑿𝑳𝑹</m:t>
+                            <a:rPr lang="en-US" altLang="ja-JP" sz="1600" b="1" i="1" smtClean="0">
+                              <a:latin typeface="Cambria Math" panose="02040503050406030204" pitchFamily="18" charset="0"/>
+                            </a:rPr>
+                            <m:t>𝒇</m:t>
                           </m:r>
                         </m:e>
                         <m:sub>
+                          <m:r>
+                            <a:rPr lang="en-US" altLang="ja-JP" sz="1600" b="0" i="1" smtClean="0">
+                              <a:latin typeface="Cambria Math" panose="02040503050406030204" pitchFamily="18" charset="0"/>
+                            </a:rPr>
+                            <m:t>𝑋𝐿𝑅</m:t>
+                          </m:r>
+                          <m:r>
+                            <a:rPr lang="en-US" altLang="ja-JP" sz="1600" b="0" i="1" smtClean="0">
+                              <a:latin typeface="Cambria Math" panose="02040503050406030204" pitchFamily="18" charset="0"/>
+                            </a:rPr>
+                            <m:t>,</m:t>
+                          </m:r>
                           <m:r>
                             <a:rPr lang="en-US" altLang="ja-JP" sz="1600" i="1">
                               <a:latin typeface="Cambria Math" panose="02040503050406030204" pitchFamily="18" charset="0"/>
@@ -7590,7 +7800,7 @@
             </p:nvSpPr>
             <p:spPr>
               <a:xfrm>
-                <a:off x="7836620" y="1191991"/>
+                <a:off x="8197020" y="1191991"/>
                 <a:ext cx="1075765" cy="468726"/>
               </a:xfrm>
               <a:prstGeom prst="rect">
@@ -7632,7 +7842,7 @@
         </p:nvSpPr>
         <p:spPr>
           <a:xfrm>
-            <a:off x="9199993" y="913171"/>
+            <a:off x="9547212" y="782700"/>
             <a:ext cx="902811" cy="830997"/>
           </a:xfrm>
           <a:prstGeom prst="rect">
@@ -7658,7 +7868,7 @@
                 <a:latin typeface="ＭＳ 明朝" panose="02020609040205080304" pitchFamily="17" charset="-128"/>
                 <a:ea typeface="ＭＳ 明朝" panose="02020609040205080304" pitchFamily="17" charset="-128"/>
               </a:rPr>
-              <a:t>(5.5)</a:t>
+              <a:t>(48)</a:t>
             </a:r>
           </a:p>
           <a:p>
@@ -7674,7 +7884,7 @@
                 <a:latin typeface="ＭＳ 明朝" panose="02020609040205080304" pitchFamily="17" charset="-128"/>
                 <a:ea typeface="ＭＳ 明朝" panose="02020609040205080304" pitchFamily="17" charset="-128"/>
               </a:rPr>
-              <a:t>(5.6)</a:t>
+              <a:t>(49)</a:t>
             </a:r>
           </a:p>
           <a:p>
@@ -7690,7 +7900,7 @@
                 <a:latin typeface="ＭＳ 明朝" panose="02020609040205080304" pitchFamily="17" charset="-128"/>
                 <a:ea typeface="ＭＳ 明朝" panose="02020609040205080304" pitchFamily="17" charset="-128"/>
               </a:rPr>
-              <a:t>(5.7)</a:t>
+              <a:t>(50)</a:t>
             </a:r>
             <a:endParaRPr kumimoji="1" lang="ja-JP" altLang="en-US" sz="1600" dirty="0">
               <a:latin typeface="ＭＳ 明朝" panose="02020609040205080304" pitchFamily="17" charset="-128"/>
@@ -7715,7 +7925,7 @@
             </p:nvSpPr>
             <p:spPr>
               <a:xfrm>
-                <a:off x="7841840" y="2473161"/>
+                <a:off x="8202240" y="2473161"/>
                 <a:ext cx="1075765" cy="468726"/>
               </a:xfrm>
               <a:prstGeom prst="rect">
@@ -7750,20 +7960,32 @@
                       <m:sSub>
                         <m:sSubPr>
                           <m:ctrlPr>
-                            <a:rPr lang="ja-JP" altLang="ja-JP" sz="1600" i="1">
+                            <a:rPr lang="ja-JP" altLang="ja-JP" sz="1600" i="1" smtClean="0">
                               <a:latin typeface="Cambria Math" panose="02040503050406030204" pitchFamily="18" charset="0"/>
                             </a:rPr>
                           </m:ctrlPr>
                         </m:sSubPr>
                         <m:e>
                           <m:r>
-                            <a:rPr lang="en-US" altLang="ja-JP" sz="1600" b="1" i="1">
-                              <a:latin typeface="Cambria Math" panose="02040503050406030204" pitchFamily="18" charset="0"/>
-                            </a:rPr>
-                            <m:t>𝑿𝑪</m:t>
+                            <a:rPr lang="en-US" altLang="ja-JP" sz="1600" b="1" i="1" smtClean="0">
+                              <a:latin typeface="Cambria Math" panose="02040503050406030204" pitchFamily="18" charset="0"/>
+                            </a:rPr>
+                            <m:t>𝒇</m:t>
                           </m:r>
                         </m:e>
                         <m:sub>
+                          <m:r>
+                            <a:rPr lang="en-US" altLang="ja-JP" sz="1600" b="0" i="1" smtClean="0">
+                              <a:latin typeface="Cambria Math" panose="02040503050406030204" pitchFamily="18" charset="0"/>
+                            </a:rPr>
+                            <m:t>𝑋𝐶</m:t>
+                          </m:r>
+                          <m:r>
+                            <a:rPr lang="en-US" altLang="ja-JP" sz="1600" b="0" i="1" smtClean="0">
+                              <a:latin typeface="Cambria Math" panose="02040503050406030204" pitchFamily="18" charset="0"/>
+                            </a:rPr>
+                            <m:t>,</m:t>
+                          </m:r>
                           <m:r>
                             <a:rPr lang="en-US" altLang="ja-JP" sz="1600" i="1">
                               <a:latin typeface="Cambria Math" panose="02040503050406030204" pitchFamily="18" charset="0"/>
@@ -7803,7 +8025,7 @@
             </p:nvSpPr>
             <p:spPr>
               <a:xfrm>
-                <a:off x="7841840" y="2473161"/>
+                <a:off x="8202240" y="2473161"/>
                 <a:ext cx="1075765" cy="468726"/>
               </a:xfrm>
               <a:prstGeom prst="rect">
@@ -7897,13 +8119,13 @@
                         </m:e>
                         <m:sub>
                           <m:r>
-                            <a:rPr lang="en-US" altLang="ja-JP" sz="1600" b="1" i="1">
-                              <a:latin typeface="Cambria Math" panose="02040503050406030204" pitchFamily="18" charset="0"/>
-                            </a:rPr>
-                            <m:t>𝑶𝑻</m:t>
-                          </m:r>
-                          <m:r>
-                            <a:rPr lang="en-US" altLang="ja-JP" sz="1600" i="1">
+                            <a:rPr lang="en-US" altLang="ja-JP" sz="1600" b="0" i="1">
+                              <a:latin typeface="Cambria Math" panose="02040503050406030204" pitchFamily="18" charset="0"/>
+                            </a:rPr>
+                            <m:t>𝑂𝑇</m:t>
+                          </m:r>
+                          <m:r>
+                            <a:rPr lang="en-US" altLang="ja-JP" sz="1600" b="0" i="1">
                               <a:latin typeface="Cambria Math" panose="02040503050406030204" pitchFamily="18" charset="0"/>
                             </a:rPr>
                             <m:t>,</m:t>
@@ -7989,8 +8211,8 @@
         </p:nvSpPr>
         <p:spPr>
           <a:xfrm>
-            <a:off x="10392459" y="1671164"/>
-            <a:ext cx="1075766" cy="584775"/>
+            <a:off x="10400713" y="1949449"/>
+            <a:ext cx="1075766" cy="338554"/>
           </a:xfrm>
           <a:prstGeom prst="rect">
             <a:avLst/>
@@ -8015,23 +8237,7 @@
                 <a:latin typeface="ＭＳ 明朝" panose="02020609040205080304" pitchFamily="17" charset="-128"/>
                 <a:ea typeface="ＭＳ 明朝" panose="02020609040205080304" pitchFamily="17" charset="-128"/>
               </a:rPr>
-              <a:t>(5.8)</a:t>
-            </a:r>
-          </a:p>
-          <a:p>
-            <a:r>
-              <a:rPr lang="ja-JP" altLang="en-US" sz="1600" dirty="0">
-                <a:latin typeface="ＭＳ 明朝" panose="02020609040205080304" pitchFamily="17" charset="-128"/>
-                <a:ea typeface="ＭＳ 明朝" panose="02020609040205080304" pitchFamily="17" charset="-128"/>
-              </a:rPr>
-              <a:t>式</a:t>
-            </a:r>
-            <a:r>
-              <a:rPr lang="en-US" altLang="ja-JP" sz="1600" dirty="0">
-                <a:latin typeface="ＭＳ 明朝" panose="02020609040205080304" pitchFamily="17" charset="-128"/>
-                <a:ea typeface="ＭＳ 明朝" panose="02020609040205080304" pitchFamily="17" charset="-128"/>
-              </a:rPr>
-              <a:t>(6.2)</a:t>
+              <a:t>(53)</a:t>
             </a:r>
             <a:endParaRPr kumimoji="1" lang="ja-JP" altLang="en-US" sz="1600" dirty="0">
               <a:latin typeface="ＭＳ 明朝" panose="02020609040205080304" pitchFamily="17" charset="-128"/>
@@ -8088,43 +8294,67 @@
                       <m:jc m:val="centerGroup"/>
                     </m:oMathParaPr>
                     <m:oMath xmlns:m="http://schemas.openxmlformats.org/officeDocument/2006/math">
-                      <m:acc>
-                        <m:accPr>
-                          <m:chr m:val="̅"/>
+                      <m:sSub>
+                        <m:sSubPr>
                           <m:ctrlPr>
-                            <a:rPr lang="ja-JP" altLang="ja-JP" sz="1600" i="1">
+                            <a:rPr lang="en-US" altLang="ja-JP" sz="1600" i="1" smtClean="0">
                               <a:latin typeface="Cambria Math" panose="02040503050406030204" pitchFamily="18" charset="0"/>
                             </a:rPr>
                           </m:ctrlPr>
-                        </m:accPr>
+                        </m:sSubPr>
                         <m:e>
-                          <m:sSub>
-                            <m:sSubPr>
+                          <m:acc>
+                            <m:accPr>
+                              <m:chr m:val="̂"/>
                               <m:ctrlPr>
-                                <a:rPr lang="ja-JP" altLang="ja-JP" sz="1600" i="1">
+                                <a:rPr lang="en-US" altLang="ja-JP" sz="1600" i="1">
                                   <a:latin typeface="Cambria Math" panose="02040503050406030204" pitchFamily="18" charset="0"/>
                                 </a:rPr>
                               </m:ctrlPr>
-                            </m:sSubPr>
+                            </m:accPr>
                             <m:e>
                               <m:r>
                                 <a:rPr lang="en-US" altLang="ja-JP" sz="1600" b="1" i="1">
                                   <a:latin typeface="Cambria Math" panose="02040503050406030204" pitchFamily="18" charset="0"/>
                                 </a:rPr>
-                                <m:t>𝑳𝒓</m:t>
+                                <m:t>𝑳</m:t>
                               </m:r>
                             </m:e>
-                            <m:sub>
-                              <m:r>
-                                <a:rPr lang="en-US" altLang="ja-JP" sz="1600" i="1">
-                                  <a:latin typeface="Cambria Math" panose="02040503050406030204" pitchFamily="18" charset="0"/>
-                                </a:rPr>
-                                <m:t>𝑛</m:t>
-                              </m:r>
-                            </m:sub>
-                          </m:sSub>
+                          </m:acc>
                         </m:e>
-                      </m:acc>
+                        <m:sub>
+                          <m:r>
+                            <a:rPr lang="en-US" altLang="ja-JP" sz="1600" b="0" i="1" smtClean="0">
+                              <a:latin typeface="Cambria Math" panose="02040503050406030204" pitchFamily="18" charset="0"/>
+                            </a:rPr>
+                            <m:t>𝑅</m:t>
+                          </m:r>
+                          <m:r>
+                            <a:rPr lang="en-US" altLang="ja-JP" sz="1600" i="1">
+                              <a:latin typeface="Cambria Math" panose="02040503050406030204" pitchFamily="18" charset="0"/>
+                            </a:rPr>
+                            <m:t>𝑆</m:t>
+                          </m:r>
+                          <m:r>
+                            <a:rPr lang="en-US" altLang="ja-JP" sz="1600" i="1">
+                              <a:latin typeface="Cambria Math" panose="02040503050406030204" pitchFamily="18" charset="0"/>
+                            </a:rPr>
+                            <m:t>,</m:t>
+                          </m:r>
+                          <m:r>
+                            <a:rPr lang="en-US" altLang="ja-JP" sz="1600" i="1">
+                              <a:latin typeface="Cambria Math" panose="02040503050406030204" pitchFamily="18" charset="0"/>
+                            </a:rPr>
+                            <m:t>𝑛</m:t>
+                          </m:r>
+                          <m:r>
+                            <a:rPr lang="en-US" altLang="ja-JP" sz="1600" i="1">
+                              <a:latin typeface="Cambria Math" panose="02040503050406030204" pitchFamily="18" charset="0"/>
+                            </a:rPr>
+                            <m:t>+1</m:t>
+                          </m:r>
+                        </m:sub>
+                      </m:sSub>
                     </m:oMath>
                   </m:oMathPara>
                 </a14:m>
@@ -8226,43 +8456,61 @@
                       <m:jc m:val="centerGroup"/>
                     </m:oMathParaPr>
                     <m:oMath xmlns:m="http://schemas.openxmlformats.org/officeDocument/2006/math">
-                      <m:acc>
-                        <m:accPr>
-                          <m:chr m:val="̅"/>
+                      <m:sSub>
+                        <m:sSubPr>
                           <m:ctrlPr>
-                            <a:rPr lang="ja-JP" altLang="ja-JP" sz="1600" i="1">
+                            <a:rPr lang="en-US" altLang="ja-JP" sz="1600" b="0" i="1" smtClean="0">
                               <a:latin typeface="Cambria Math" panose="02040503050406030204" pitchFamily="18" charset="0"/>
                             </a:rPr>
                           </m:ctrlPr>
-                        </m:accPr>
+                        </m:sSubPr>
                         <m:e>
-                          <m:sSub>
-                            <m:sSubPr>
+                          <m:acc>
+                            <m:accPr>
+                              <m:chr m:val="̂"/>
                               <m:ctrlPr>
-                                <a:rPr lang="ja-JP" altLang="ja-JP" sz="1600" i="1">
+                                <a:rPr lang="en-US" altLang="ja-JP" sz="1600" b="0" i="1" smtClean="0">
                                   <a:latin typeface="Cambria Math" panose="02040503050406030204" pitchFamily="18" charset="0"/>
                                 </a:rPr>
                               </m:ctrlPr>
-                            </m:sSubPr>
+                            </m:accPr>
                             <m:e>
                               <m:r>
-                                <a:rPr lang="en-US" altLang="ja-JP" sz="1600" b="1" i="1">
+                                <a:rPr lang="en-US" altLang="ja-JP" sz="1600" b="1" i="1" smtClean="0">
                                   <a:latin typeface="Cambria Math" panose="02040503050406030204" pitchFamily="18" charset="0"/>
                                 </a:rPr>
-                                <m:t>𝑳𝒄</m:t>
+                                <m:t>𝑳</m:t>
                               </m:r>
                             </m:e>
-                            <m:sub>
-                              <m:r>
-                                <a:rPr lang="en-US" altLang="ja-JP" sz="1600" i="1">
-                                  <a:latin typeface="Cambria Math" panose="02040503050406030204" pitchFamily="18" charset="0"/>
-                                </a:rPr>
-                                <m:t>𝑛</m:t>
-                              </m:r>
-                            </m:sub>
-                          </m:sSub>
+                          </m:acc>
                         </m:e>
-                      </m:acc>
+                        <m:sub>
+                          <m:r>
+                            <a:rPr lang="en-US" altLang="ja-JP" sz="1600" b="0" i="1" smtClean="0">
+                              <a:latin typeface="Cambria Math" panose="02040503050406030204" pitchFamily="18" charset="0"/>
+                            </a:rPr>
+                            <m:t>𝐶𝑆</m:t>
+                          </m:r>
+                          <m:r>
+                            <a:rPr lang="en-US" altLang="ja-JP" sz="1600" b="0" i="1" smtClean="0">
+                              <a:latin typeface="Cambria Math" panose="02040503050406030204" pitchFamily="18" charset="0"/>
+                            </a:rPr>
+                            <m:t>,</m:t>
+                          </m:r>
+                          <m:r>
+                            <a:rPr lang="en-US" altLang="ja-JP" sz="1600" b="0" i="1" smtClean="0">
+                              <a:latin typeface="Cambria Math" panose="02040503050406030204" pitchFamily="18" charset="0"/>
+                            </a:rPr>
+                            <m:t>𝑛</m:t>
+                          </m:r>
+                          <m:r>
+                            <a:rPr lang="en-US" altLang="ja-JP" sz="1600" b="0" i="1" smtClean="0">
+                              <a:latin typeface="Cambria Math" panose="02040503050406030204" pitchFamily="18" charset="0"/>
+                            </a:rPr>
+                            <m:t>+1</m:t>
+                          </m:r>
+                        </m:sub>
+                      </m:sSub>
                     </m:oMath>
                   </m:oMathPara>
                 </a14:m>
@@ -8430,13 +8678,13 @@
                         </m:e>
                         <m:sub>
                           <m:r>
-                            <a:rPr lang="en-US" altLang="ja-JP" sz="1600" b="1" i="1">
-                              <a:latin typeface="Cambria Math" panose="02040503050406030204" pitchFamily="18" charset="0"/>
-                            </a:rPr>
-                            <m:t>𝒓</m:t>
-                          </m:r>
-                          <m:r>
-                            <a:rPr lang="en-US" altLang="ja-JP" sz="1600" i="1">
+                            <a:rPr lang="en-US" altLang="ja-JP" sz="1600" b="0" i="1">
+                              <a:latin typeface="Cambria Math" panose="02040503050406030204" pitchFamily="18" charset="0"/>
+                            </a:rPr>
+                            <m:t>𝑟</m:t>
+                          </m:r>
+                          <m:r>
+                            <a:rPr lang="en-US" altLang="ja-JP" sz="1600" b="0" i="1">
                               <a:latin typeface="Cambria Math" panose="02040503050406030204" pitchFamily="18" charset="0"/>
                             </a:rPr>
                             <m:t>,</m:t>
@@ -8524,7 +8772,7 @@
             </p:nvSpPr>
             <p:spPr>
               <a:xfrm>
-                <a:off x="6007110" y="3137907"/>
+                <a:off x="6367510" y="3137907"/>
                 <a:ext cx="1075765" cy="468726"/>
               </a:xfrm>
               <a:prstGeom prst="rect">
@@ -8569,16 +8817,22 @@
                             <a:rPr lang="en-US" altLang="ja-JP" sz="1600" b="1" i="1" smtClean="0">
                               <a:latin typeface="Cambria Math" panose="02040503050406030204" pitchFamily="18" charset="0"/>
                             </a:rPr>
-                            <m:t>𝑾𝑺</m:t>
-                          </m:r>
-                          <m:r>
-                            <a:rPr lang="en-US" altLang="ja-JP" sz="1600" b="1" i="1">
-                              <a:latin typeface="Cambria Math" panose="02040503050406030204" pitchFamily="18" charset="0"/>
-                            </a:rPr>
-                            <m:t>𝑪</m:t>
+                            <m:t>𝒇</m:t>
                           </m:r>
                         </m:e>
                         <m:sub>
+                          <m:r>
+                            <a:rPr lang="en-US" altLang="ja-JP" sz="1600" b="0" i="1" smtClean="0">
+                              <a:latin typeface="Cambria Math" panose="02040503050406030204" pitchFamily="18" charset="0"/>
+                            </a:rPr>
+                            <m:t>𝑊𝑆𝐶</m:t>
+                          </m:r>
+                          <m:r>
+                            <a:rPr lang="en-US" altLang="ja-JP" sz="1600" b="0" i="1" smtClean="0">
+                              <a:latin typeface="Cambria Math" panose="02040503050406030204" pitchFamily="18" charset="0"/>
+                            </a:rPr>
+                            <m:t>,</m:t>
+                          </m:r>
                           <m:r>
                             <a:rPr lang="en-US" altLang="ja-JP" sz="1600" i="1">
                               <a:latin typeface="Cambria Math" panose="02040503050406030204" pitchFamily="18" charset="0"/>
@@ -8618,7 +8872,7 @@
             </p:nvSpPr>
             <p:spPr>
               <a:xfrm>
-                <a:off x="6007110" y="3137907"/>
+                <a:off x="6367510" y="3137907"/>
                 <a:ext cx="1075765" cy="468726"/>
               </a:xfrm>
               <a:prstGeom prst="rect">
@@ -8660,7 +8914,7 @@
         </p:nvSpPr>
         <p:spPr>
           <a:xfrm>
-            <a:off x="7656792" y="1028107"/>
+            <a:off x="8017192" y="1028107"/>
             <a:ext cx="1433162" cy="2081870"/>
           </a:xfrm>
           <a:prstGeom prst="rect">
@@ -8708,8 +8962,8 @@
         </p:nvSpPr>
         <p:spPr>
           <a:xfrm>
-            <a:off x="8594935" y="5858887"/>
-            <a:ext cx="902811" cy="584775"/>
+            <a:off x="8955335" y="5858887"/>
+            <a:ext cx="800219" cy="584775"/>
           </a:xfrm>
           <a:prstGeom prst="rect">
             <a:avLst/>
@@ -8734,7 +8988,7 @@
                 <a:latin typeface="ＭＳ 明朝" panose="02020609040205080304" pitchFamily="17" charset="-128"/>
                 <a:ea typeface="ＭＳ 明朝" panose="02020609040205080304" pitchFamily="17" charset="-128"/>
               </a:rPr>
-              <a:t>(4.8)</a:t>
+              <a:t>(38)</a:t>
             </a:r>
           </a:p>
           <a:p>
@@ -8750,7 +9004,21 @@
                 <a:latin typeface="ＭＳ 明朝" panose="02020609040205080304" pitchFamily="17" charset="-128"/>
                 <a:ea typeface="ＭＳ 明朝" panose="02020609040205080304" pitchFamily="17" charset="-128"/>
               </a:rPr>
-              <a:t>(4.9)</a:t>
+              <a:t>(</a:t>
+            </a:r>
+            <a:r>
+              <a:rPr lang="en-US" altLang="ja-JP" sz="1600" dirty="0">
+                <a:latin typeface="ＭＳ 明朝" panose="02020609040205080304" pitchFamily="17" charset="-128"/>
+                <a:ea typeface="ＭＳ 明朝" panose="02020609040205080304" pitchFamily="17" charset="-128"/>
+              </a:rPr>
+              <a:t>3</a:t>
+            </a:r>
+            <a:r>
+              <a:rPr kumimoji="1" lang="en-US" altLang="ja-JP" sz="1600" dirty="0">
+                <a:latin typeface="ＭＳ 明朝" panose="02020609040205080304" pitchFamily="17" charset="-128"/>
+                <a:ea typeface="ＭＳ 明朝" panose="02020609040205080304" pitchFamily="17" charset="-128"/>
+              </a:rPr>
+              <a:t>9)</a:t>
             </a:r>
             <a:endParaRPr kumimoji="1" lang="ja-JP" altLang="en-US" sz="1600" dirty="0">
               <a:latin typeface="ＭＳ 明朝" panose="02020609040205080304" pitchFamily="17" charset="-128"/>
@@ -8773,7 +9041,7 @@
         </p:nvSpPr>
         <p:spPr>
           <a:xfrm>
-            <a:off x="7656792" y="4468066"/>
+            <a:off x="8017192" y="4468066"/>
             <a:ext cx="1340164" cy="1356131"/>
           </a:xfrm>
           <a:prstGeom prst="rect">
@@ -8818,56 +9086,15 @@
           </p:cNvPr>
           <p:cNvCxnSpPr>
             <a:cxnSpLocks/>
-            <a:stCxn id="96" idx="3"/>
+            <a:stCxn id="84" idx="3"/>
             <a:endCxn id="414" idx="1"/>
           </p:cNvCxnSpPr>
           <p:nvPr/>
         </p:nvCxnSpPr>
         <p:spPr>
           <a:xfrm>
-            <a:off x="6423314" y="1152362"/>
-            <a:ext cx="1233478" cy="916680"/>
-          </a:xfrm>
-          <a:prstGeom prst="line">
-            <a:avLst/>
-          </a:prstGeom>
-          <a:ln w="12700"/>
-        </p:spPr>
-        <p:style>
-          <a:lnRef idx="1">
-            <a:schemeClr val="dk1"/>
-          </a:lnRef>
-          <a:fillRef idx="0">
-            <a:schemeClr val="dk1"/>
-          </a:fillRef>
-          <a:effectRef idx="0">
-            <a:schemeClr val="dk1"/>
-          </a:effectRef>
-          <a:fontRef idx="minor">
-            <a:schemeClr val="tx1"/>
-          </a:fontRef>
-        </p:style>
-      </p:cxnSp>
-      <p:cxnSp>
-        <p:nvCxnSpPr>
-          <p:cNvPr id="511" name="直線コネクタ 510">
-            <a:extLst>
-              <a:ext uri="{FF2B5EF4-FFF2-40B4-BE49-F238E27FC236}">
-                <a16:creationId xmlns:a16="http://schemas.microsoft.com/office/drawing/2014/main" id="{DEA991B0-5D29-4C24-9646-7DB5E7603BF6}"/>
-              </a:ext>
-            </a:extLst>
-          </p:cNvPr>
-          <p:cNvCxnSpPr>
-            <a:cxnSpLocks/>
-            <a:stCxn id="95" idx="3"/>
-            <a:endCxn id="414" idx="1"/>
-          </p:cNvCxnSpPr>
-          <p:nvPr/>
-        </p:nvCxnSpPr>
-        <p:spPr>
-          <a:xfrm>
-            <a:off x="6414827" y="562446"/>
-            <a:ext cx="1241965" cy="1506596"/>
+            <a:off x="6915914" y="842287"/>
+            <a:ext cx="1101278" cy="1226755"/>
           </a:xfrm>
           <a:prstGeom prst="line">
             <a:avLst/>
@@ -8907,8 +9134,8 @@
         </p:nvCxnSpPr>
         <p:spPr>
           <a:xfrm flipV="1">
-            <a:off x="8996956" y="3572990"/>
-            <a:ext cx="1223154" cy="1573142"/>
+            <a:off x="9357356" y="3572990"/>
+            <a:ext cx="862754" cy="1573142"/>
           </a:xfrm>
           <a:prstGeom prst="line">
             <a:avLst/>
@@ -8948,8 +9175,8 @@
         </p:nvCxnSpPr>
         <p:spPr>
           <a:xfrm>
-            <a:off x="9089954" y="2069042"/>
-            <a:ext cx="1130156" cy="1503948"/>
+            <a:off x="9450354" y="2069042"/>
+            <a:ext cx="769756" cy="1503948"/>
           </a:xfrm>
           <a:prstGeom prst="line">
             <a:avLst/>
@@ -8987,7 +9214,7 @@
             </p:nvSpPr>
             <p:spPr>
               <a:xfrm>
-                <a:off x="4049918" y="4104817"/>
+                <a:off x="4410318" y="4104817"/>
                 <a:ext cx="1075765" cy="468726"/>
               </a:xfrm>
               <a:prstGeom prst="rect">
@@ -9032,10 +9259,22 @@
                             <a:rPr lang="en-US" altLang="ja-JP" sz="1600" b="1" i="1" smtClean="0">
                               <a:latin typeface="Cambria Math" panose="02040503050406030204" pitchFamily="18" charset="0"/>
                             </a:rPr>
-                            <m:t>𝑪𝑹𝑿</m:t>
+                            <m:t>𝒇</m:t>
                           </m:r>
                         </m:e>
                         <m:sub>
+                          <m:r>
+                            <a:rPr lang="en-US" altLang="ja-JP" sz="1600" b="0" i="1" smtClean="0">
+                              <a:latin typeface="Cambria Math" panose="02040503050406030204" pitchFamily="18" charset="0"/>
+                            </a:rPr>
+                            <m:t>𝐶𝑅𝑋</m:t>
+                          </m:r>
+                          <m:r>
+                            <a:rPr lang="en-US" altLang="ja-JP" sz="1600" b="0" i="1" smtClean="0">
+                              <a:latin typeface="Cambria Math" panose="02040503050406030204" pitchFamily="18" charset="0"/>
+                            </a:rPr>
+                            <m:t>,</m:t>
+                          </m:r>
                           <m:r>
                             <a:rPr lang="en-US" altLang="ja-JP" sz="1600" i="1">
                               <a:latin typeface="Cambria Math" panose="02040503050406030204" pitchFamily="18" charset="0"/>
@@ -9075,7 +9314,7 @@
             </p:nvSpPr>
             <p:spPr>
               <a:xfrm>
-                <a:off x="4049918" y="4104817"/>
+                <a:off x="4410318" y="4104817"/>
                 <a:ext cx="1075765" cy="468726"/>
               </a:xfrm>
               <a:prstGeom prst="rect">
@@ -9121,7 +9360,7 @@
         </p:nvCxnSpPr>
         <p:spPr>
           <a:xfrm flipV="1">
-            <a:off x="5125683" y="3094374"/>
+            <a:off x="5486083" y="3094374"/>
             <a:ext cx="734047" cy="1244806"/>
           </a:xfrm>
           <a:prstGeom prst="line">
@@ -9162,7 +9401,7 @@
         </p:nvCxnSpPr>
         <p:spPr>
           <a:xfrm flipV="1">
-            <a:off x="7199894" y="2069042"/>
+            <a:off x="7560294" y="2069042"/>
             <a:ext cx="456898" cy="1025332"/>
           </a:xfrm>
           <a:prstGeom prst="line">
@@ -9199,7 +9438,7 @@
         </p:nvSpPr>
         <p:spPr>
           <a:xfrm>
-            <a:off x="5859730" y="2416308"/>
+            <a:off x="6220130" y="2416308"/>
             <a:ext cx="1340164" cy="1356131"/>
           </a:xfrm>
           <a:prstGeom prst="rect">
@@ -9251,7 +9490,7 @@
         </p:nvCxnSpPr>
         <p:spPr>
           <a:xfrm flipH="1" flipV="1">
-            <a:off x="7199894" y="3094374"/>
+            <a:off x="7560294" y="3094374"/>
             <a:ext cx="456898" cy="2051758"/>
           </a:xfrm>
           <a:prstGeom prst="line">
@@ -9292,8 +9531,8 @@
         </p:nvCxnSpPr>
         <p:spPr>
           <a:xfrm>
-            <a:off x="5557512" y="2196306"/>
-            <a:ext cx="302218" cy="898068"/>
+            <a:off x="5917912" y="2674268"/>
+            <a:ext cx="302218" cy="420106"/>
           </a:xfrm>
           <a:prstGeom prst="line">
             <a:avLst/>
@@ -9333,7 +9572,7 @@
         </p:nvCxnSpPr>
         <p:spPr>
           <a:xfrm>
-            <a:off x="5125683" y="4339180"/>
+            <a:off x="5486083" y="4339180"/>
             <a:ext cx="2531109" cy="806952"/>
           </a:xfrm>
           <a:prstGeom prst="line">
@@ -9370,8 +9609,8 @@
         </p:nvSpPr>
         <p:spPr>
           <a:xfrm>
-            <a:off x="4172314" y="3761508"/>
-            <a:ext cx="1005403" cy="338554"/>
+            <a:off x="4532714" y="3761508"/>
+            <a:ext cx="800219" cy="338554"/>
           </a:xfrm>
           <a:prstGeom prst="rect">
             <a:avLst/>
@@ -9396,7 +9635,7 @@
                 <a:latin typeface="ＭＳ 明朝" panose="02020609040205080304" pitchFamily="17" charset="-128"/>
                 <a:ea typeface="ＭＳ 明朝" panose="02020609040205080304" pitchFamily="17" charset="-128"/>
               </a:rPr>
-              <a:t>(3.20)</a:t>
+              <a:t>(20)</a:t>
             </a:r>
             <a:endParaRPr kumimoji="1" lang="ja-JP" altLang="en-US" sz="1600" dirty="0">
               <a:latin typeface="ＭＳ 明朝" panose="02020609040205080304" pitchFamily="17" charset="-128"/>
@@ -9423,8 +9662,8 @@
         </p:nvCxnSpPr>
         <p:spPr>
           <a:xfrm flipV="1">
-            <a:off x="4008070" y="5146132"/>
-            <a:ext cx="3648722" cy="1278098"/>
+            <a:off x="7710214" y="5146132"/>
+            <a:ext cx="306978" cy="1239505"/>
           </a:xfrm>
           <a:prstGeom prst="line">
             <a:avLst/>
@@ -9464,8 +9703,8 @@
         </p:nvCxnSpPr>
         <p:spPr>
           <a:xfrm>
-            <a:off x="1355202" y="5042631"/>
-            <a:ext cx="6301590" cy="103501"/>
+            <a:off x="1355202" y="5114455"/>
+            <a:ext cx="6661990" cy="31677"/>
           </a:xfrm>
           <a:prstGeom prst="line">
             <a:avLst/>
@@ -9506,7 +9745,7 @@
         <p:spPr>
           <a:xfrm flipV="1">
             <a:off x="1352731" y="5146132"/>
-            <a:ext cx="6304061" cy="613567"/>
+            <a:ext cx="6664461" cy="1239505"/>
           </a:xfrm>
           <a:prstGeom prst="line">
             <a:avLst/>
@@ -9546,8 +9785,8 @@
         </p:nvCxnSpPr>
         <p:spPr>
           <a:xfrm flipV="1">
-            <a:off x="1355201" y="5146132"/>
-            <a:ext cx="6301591" cy="1342984"/>
+            <a:off x="6455794" y="5146132"/>
+            <a:ext cx="1561398" cy="1239505"/>
           </a:xfrm>
           <a:prstGeom prst="line">
             <a:avLst/>
@@ -9587,8 +9826,8 @@
         </p:nvCxnSpPr>
         <p:spPr>
           <a:xfrm flipH="1" flipV="1">
-            <a:off x="4122557" y="1655370"/>
-            <a:ext cx="359190" cy="540936"/>
+            <a:off x="4482957" y="2238798"/>
+            <a:ext cx="359190" cy="435470"/>
           </a:xfrm>
           <a:prstGeom prst="line">
             <a:avLst/>
@@ -9628,8 +9867,8 @@
         </p:nvCxnSpPr>
         <p:spPr>
           <a:xfrm flipH="1">
-            <a:off x="4097033" y="2196306"/>
-            <a:ext cx="384714" cy="1110550"/>
+            <a:off x="4457433" y="2674268"/>
+            <a:ext cx="384714" cy="632588"/>
           </a:xfrm>
           <a:prstGeom prst="line">
             <a:avLst/>
@@ -9668,9 +9907,9 @@
           <p:nvPr/>
         </p:nvCxnSpPr>
         <p:spPr>
-          <a:xfrm flipH="1">
-            <a:off x="1352732" y="1655370"/>
-            <a:ext cx="1694060" cy="156949"/>
+          <a:xfrm flipH="1" flipV="1">
+            <a:off x="1352732" y="2223277"/>
+            <a:ext cx="2054460" cy="15521"/>
           </a:xfrm>
           <a:prstGeom prst="line">
             <a:avLst/>
@@ -9710,8 +9949,8 @@
         </p:nvCxnSpPr>
         <p:spPr>
           <a:xfrm flipH="1">
-            <a:off x="1352731" y="1655370"/>
-            <a:ext cx="1694061" cy="911958"/>
+            <a:off x="1352731" y="2238798"/>
+            <a:ext cx="2054461" cy="739488"/>
           </a:xfrm>
           <a:prstGeom prst="line">
             <a:avLst/>
@@ -9750,9 +9989,9 @@
           <p:nvPr/>
         </p:nvCxnSpPr>
         <p:spPr>
-          <a:xfrm flipH="1" flipV="1">
-            <a:off x="1352731" y="3253402"/>
-            <a:ext cx="1668537" cy="53454"/>
+          <a:xfrm flipH="1">
+            <a:off x="1352731" y="3306856"/>
+            <a:ext cx="2028937" cy="488830"/>
           </a:xfrm>
           <a:prstGeom prst="line">
             <a:avLst/>
@@ -9792,8 +10031,8 @@
         </p:nvCxnSpPr>
         <p:spPr>
           <a:xfrm flipH="1">
-            <a:off x="2824956" y="3306856"/>
-            <a:ext cx="196312" cy="1004577"/>
+            <a:off x="3186552" y="3306856"/>
+            <a:ext cx="195116" cy="672501"/>
           </a:xfrm>
           <a:prstGeom prst="line">
             <a:avLst/>
@@ -9833,8 +10072,471 @@
         </p:nvCxnSpPr>
         <p:spPr>
           <a:xfrm flipH="1">
-            <a:off x="1355202" y="4311433"/>
-            <a:ext cx="393989" cy="731198"/>
+            <a:off x="1355202" y="3979357"/>
+            <a:ext cx="755585" cy="1135098"/>
+          </a:xfrm>
+          <a:prstGeom prst="line">
+            <a:avLst/>
+          </a:prstGeom>
+          <a:ln w="12700"/>
+        </p:spPr>
+        <p:style>
+          <a:lnRef idx="1">
+            <a:schemeClr val="dk1"/>
+          </a:lnRef>
+          <a:fillRef idx="0">
+            <a:schemeClr val="dk1"/>
+          </a:fillRef>
+          <a:effectRef idx="0">
+            <a:schemeClr val="dk1"/>
+          </a:effectRef>
+          <a:fontRef idx="minor">
+            <a:schemeClr val="tx1"/>
+          </a:fontRef>
+        </p:style>
+      </p:cxnSp>
+      <mc:AlternateContent xmlns:mc="http://schemas.openxmlformats.org/markup-compatibility/2006">
+        <mc:Choice xmlns:a14="http://schemas.microsoft.com/office/drawing/2010/main" Requires="a14">
+          <p:sp>
+            <p:nvSpPr>
+              <p:cNvPr id="60" name="正方形/長方形 59">
+                <a:extLst>
+                  <a:ext uri="{FF2B5EF4-FFF2-40B4-BE49-F238E27FC236}">
+                    <a16:creationId xmlns:a16="http://schemas.microsoft.com/office/drawing/2014/main" id="{B82EA462-AF88-961B-DEBF-8E8B00410523}"/>
+                  </a:ext>
+                </a:extLst>
+              </p:cNvPr>
+              <p:cNvSpPr/>
+              <p:nvPr/>
+            </p:nvSpPr>
+            <p:spPr>
+              <a:xfrm>
+                <a:off x="274522" y="404105"/>
+                <a:ext cx="1075765" cy="468726"/>
+              </a:xfrm>
+              <a:prstGeom prst="rect">
+                <a:avLst/>
+              </a:prstGeom>
+            </p:spPr>
+            <p:style>
+              <a:lnRef idx="2">
+                <a:schemeClr val="dk1"/>
+              </a:lnRef>
+              <a:fillRef idx="1">
+                <a:schemeClr val="lt1"/>
+              </a:fillRef>
+              <a:effectRef idx="0">
+                <a:schemeClr val="dk1"/>
+              </a:effectRef>
+              <a:fontRef idx="minor">
+                <a:schemeClr val="dk1"/>
+              </a:fontRef>
+            </p:style>
+            <p:txBody>
+              <a:bodyPr rtlCol="0" anchor="ctr"/>
+              <a:lstStyle/>
+              <a:p>
+                <a:pPr algn="ctr"/>
+                <a14:m>
+                  <m:oMathPara xmlns:m="http://schemas.openxmlformats.org/officeDocument/2006/math">
+                    <m:oMathParaPr>
+                      <m:jc m:val="centerGroup"/>
+                    </m:oMathParaPr>
+                    <m:oMath xmlns:m="http://schemas.openxmlformats.org/officeDocument/2006/math">
+                      <m:sSub>
+                        <m:sSubPr>
+                          <m:ctrlPr>
+                            <a:rPr lang="ja-JP" altLang="ja-JP" sz="1600" b="1" i="1">
+                              <a:latin typeface="Cambria Math" panose="02040503050406030204" pitchFamily="18" charset="0"/>
+                            </a:rPr>
+                          </m:ctrlPr>
+                        </m:sSubPr>
+                        <m:e>
+                          <m:r>
+                            <a:rPr lang="en-US" altLang="ja-JP" sz="1600" b="1" i="1">
+                              <a:latin typeface="Cambria Math" panose="02040503050406030204" pitchFamily="18" charset="0"/>
+                            </a:rPr>
+                            <m:t>𝜽</m:t>
+                          </m:r>
+                        </m:e>
+                        <m:sub>
+                          <m:r>
+                            <a:rPr lang="en-US" altLang="ja-JP" sz="1600" b="0" i="1">
+                              <a:latin typeface="Cambria Math" panose="02040503050406030204" pitchFamily="18" charset="0"/>
+                            </a:rPr>
+                            <m:t>𝑟</m:t>
+                          </m:r>
+                          <m:r>
+                            <a:rPr lang="en-US" altLang="ja-JP" sz="1600" b="0" i="1">
+                              <a:latin typeface="Cambria Math" panose="02040503050406030204" pitchFamily="18" charset="0"/>
+                            </a:rPr>
+                            <m:t>,</m:t>
+                          </m:r>
+                          <m:r>
+                            <a:rPr lang="en-US" altLang="ja-JP" sz="1600" b="0" i="1">
+                              <a:latin typeface="Cambria Math" panose="02040503050406030204" pitchFamily="18" charset="0"/>
+                            </a:rPr>
+                            <m:t>𝑛</m:t>
+                          </m:r>
+                        </m:sub>
+                      </m:sSub>
+                    </m:oMath>
+                  </m:oMathPara>
+                </a14:m>
+                <a:endParaRPr kumimoji="1" lang="ja-JP" altLang="en-US" sz="1600" b="1" dirty="0"/>
+              </a:p>
+            </p:txBody>
+          </p:sp>
+        </mc:Choice>
+        <mc:Fallback>
+          <p:sp>
+            <p:nvSpPr>
+              <p:cNvPr id="60" name="正方形/長方形 59">
+                <a:extLst>
+                  <a:ext uri="{FF2B5EF4-FFF2-40B4-BE49-F238E27FC236}">
+                    <a16:creationId xmlns:a16="http://schemas.microsoft.com/office/drawing/2014/main" id="{B82EA462-AF88-961B-DEBF-8E8B00410523}"/>
+                  </a:ext>
+                </a:extLst>
+              </p:cNvPr>
+              <p:cNvSpPr>
+                <a:spLocks noRot="1" noChangeAspect="1" noMove="1" noResize="1" noEditPoints="1" noAdjustHandles="1" noChangeArrowheads="1" noChangeShapeType="1" noTextEdit="1"/>
+              </p:cNvSpPr>
+              <p:nvPr/>
+            </p:nvSpPr>
+            <p:spPr>
+              <a:xfrm>
+                <a:off x="274522" y="404105"/>
+                <a:ext cx="1075765" cy="468726"/>
+              </a:xfrm>
+              <a:prstGeom prst="rect">
+                <a:avLst/>
+              </a:prstGeom>
+              <a:blipFill>
+                <a:blip r:embed="rId27"/>
+                <a:stretch>
+                  <a:fillRect/>
+                </a:stretch>
+              </a:blipFill>
+            </p:spPr>
+            <p:txBody>
+              <a:bodyPr/>
+              <a:lstStyle/>
+              <a:p>
+                <a:r>
+                  <a:rPr lang="ja-JP" altLang="en-US">
+                    <a:noFill/>
+                  </a:rPr>
+                  <a:t> </a:t>
+                </a:r>
+              </a:p>
+            </p:txBody>
+          </p:sp>
+        </mc:Fallback>
+      </mc:AlternateContent>
+      <mc:AlternateContent xmlns:mc="http://schemas.openxmlformats.org/markup-compatibility/2006">
+        <mc:Choice xmlns:a14="http://schemas.microsoft.com/office/drawing/2010/main" Requires="a14">
+          <p:sp>
+            <p:nvSpPr>
+              <p:cNvPr id="61" name="正方形/長方形 60">
+                <a:extLst>
+                  <a:ext uri="{FF2B5EF4-FFF2-40B4-BE49-F238E27FC236}">
+                    <a16:creationId xmlns:a16="http://schemas.microsoft.com/office/drawing/2014/main" id="{8DF84FF8-C677-DDBE-8960-32EFA1FDD306}"/>
+                  </a:ext>
+                </a:extLst>
+              </p:cNvPr>
+              <p:cNvSpPr/>
+              <p:nvPr/>
+            </p:nvSpPr>
+            <p:spPr>
+              <a:xfrm>
+                <a:off x="274523" y="1132233"/>
+                <a:ext cx="1075765" cy="468726"/>
+              </a:xfrm>
+              <a:prstGeom prst="rect">
+                <a:avLst/>
+              </a:prstGeom>
+            </p:spPr>
+            <p:style>
+              <a:lnRef idx="2">
+                <a:schemeClr val="dk1"/>
+              </a:lnRef>
+              <a:fillRef idx="1">
+                <a:schemeClr val="lt1"/>
+              </a:fillRef>
+              <a:effectRef idx="0">
+                <a:schemeClr val="dk1"/>
+              </a:effectRef>
+              <a:fontRef idx="minor">
+                <a:schemeClr val="dk1"/>
+              </a:fontRef>
+            </p:style>
+            <p:txBody>
+              <a:bodyPr rtlCol="0" anchor="ctr"/>
+              <a:lstStyle/>
+              <a:p>
+                <a:pPr algn="ctr"/>
+                <a14:m>
+                  <m:oMathPara xmlns:m="http://schemas.openxmlformats.org/officeDocument/2006/math">
+                    <m:oMathParaPr>
+                      <m:jc m:val="centerGroup"/>
+                    </m:oMathParaPr>
+                    <m:oMath xmlns:m="http://schemas.openxmlformats.org/officeDocument/2006/math">
+                      <m:sSub>
+                        <m:sSubPr>
+                          <m:ctrlPr>
+                            <a:rPr lang="ja-JP" altLang="ja-JP" sz="1600" b="1" i="1" smtClean="0">
+                              <a:latin typeface="Cambria Math" panose="02040503050406030204" pitchFamily="18" charset="0"/>
+                            </a:rPr>
+                          </m:ctrlPr>
+                        </m:sSubPr>
+                        <m:e>
+                          <m:r>
+                            <a:rPr lang="en-US" altLang="ja-JP" sz="1600" b="1" i="1">
+                              <a:latin typeface="Cambria Math" panose="02040503050406030204" pitchFamily="18" charset="0"/>
+                            </a:rPr>
+                            <m:t>𝜽</m:t>
+                          </m:r>
+                        </m:e>
+                        <m:sub>
+                          <m:r>
+                            <a:rPr lang="en-US" altLang="ja-JP" sz="1600" b="0" i="1" smtClean="0">
+                              <a:latin typeface="Cambria Math" panose="02040503050406030204" pitchFamily="18" charset="0"/>
+                            </a:rPr>
+                            <m:t>𝑀𝑅𝑇</m:t>
+                          </m:r>
+                          <m:r>
+                            <a:rPr lang="en-US" altLang="ja-JP" sz="1600" b="0" i="1" smtClean="0">
+                              <a:latin typeface="Cambria Math" panose="02040503050406030204" pitchFamily="18" charset="0"/>
+                            </a:rPr>
+                            <m:t>,</m:t>
+                          </m:r>
+                          <m:r>
+                            <a:rPr lang="en-US" altLang="ja-JP" sz="1600" b="0" i="1" smtClean="0">
+                              <a:latin typeface="Cambria Math" panose="02040503050406030204" pitchFamily="18" charset="0"/>
+                            </a:rPr>
+                            <m:t>h𝑢𝑚</m:t>
+                          </m:r>
+                          <m:r>
+                            <a:rPr lang="en-US" altLang="ja-JP" sz="1600" i="1">
+                              <a:latin typeface="Cambria Math" panose="02040503050406030204" pitchFamily="18" charset="0"/>
+                            </a:rPr>
+                            <m:t>,</m:t>
+                          </m:r>
+                          <m:r>
+                            <a:rPr lang="en-US" altLang="ja-JP" sz="1600" i="1">
+                              <a:latin typeface="Cambria Math" panose="02040503050406030204" pitchFamily="18" charset="0"/>
+                            </a:rPr>
+                            <m:t>𝑛</m:t>
+                          </m:r>
+                        </m:sub>
+                      </m:sSub>
+                    </m:oMath>
+                  </m:oMathPara>
+                </a14:m>
+                <a:endParaRPr kumimoji="1" lang="ja-JP" altLang="en-US" sz="1600" b="1" dirty="0"/>
+              </a:p>
+            </p:txBody>
+          </p:sp>
+        </mc:Choice>
+        <mc:Fallback>
+          <p:sp>
+            <p:nvSpPr>
+              <p:cNvPr id="61" name="正方形/長方形 60">
+                <a:extLst>
+                  <a:ext uri="{FF2B5EF4-FFF2-40B4-BE49-F238E27FC236}">
+                    <a16:creationId xmlns:a16="http://schemas.microsoft.com/office/drawing/2014/main" id="{8DF84FF8-C677-DDBE-8960-32EFA1FDD306}"/>
+                  </a:ext>
+                </a:extLst>
+              </p:cNvPr>
+              <p:cNvSpPr>
+                <a:spLocks noRot="1" noChangeAspect="1" noMove="1" noResize="1" noEditPoints="1" noAdjustHandles="1" noChangeArrowheads="1" noChangeShapeType="1" noTextEdit="1"/>
+              </p:cNvSpPr>
+              <p:nvPr/>
+            </p:nvSpPr>
+            <p:spPr>
+              <a:xfrm>
+                <a:off x="274523" y="1132233"/>
+                <a:ext cx="1075765" cy="468726"/>
+              </a:xfrm>
+              <a:prstGeom prst="rect">
+                <a:avLst/>
+              </a:prstGeom>
+              <a:blipFill>
+                <a:blip r:embed="rId28"/>
+                <a:stretch>
+                  <a:fillRect l="-2793"/>
+                </a:stretch>
+              </a:blipFill>
+            </p:spPr>
+            <p:txBody>
+              <a:bodyPr/>
+              <a:lstStyle/>
+              <a:p>
+                <a:r>
+                  <a:rPr lang="ja-JP" altLang="en-US">
+                    <a:noFill/>
+                  </a:rPr>
+                  <a:t> </a:t>
+                </a:r>
+              </a:p>
+            </p:txBody>
+          </p:sp>
+        </mc:Fallback>
+      </mc:AlternateContent>
+      <p:cxnSp>
+        <p:nvCxnSpPr>
+          <p:cNvPr id="78" name="直線コネクタ 77">
+            <a:extLst>
+              <a:ext uri="{FF2B5EF4-FFF2-40B4-BE49-F238E27FC236}">
+                <a16:creationId xmlns:a16="http://schemas.microsoft.com/office/drawing/2014/main" id="{5C399066-EE86-69C3-3AFF-40DCC0753939}"/>
+              </a:ext>
+            </a:extLst>
+          </p:cNvPr>
+          <p:cNvCxnSpPr>
+            <a:cxnSpLocks/>
+            <a:stCxn id="84" idx="1"/>
+            <a:endCxn id="60" idx="3"/>
+          </p:cNvCxnSpPr>
+          <p:nvPr/>
+        </p:nvCxnSpPr>
+        <p:spPr>
+          <a:xfrm flipH="1" flipV="1">
+            <a:off x="1350287" y="638468"/>
+            <a:ext cx="4225463" cy="203819"/>
+          </a:xfrm>
+          <a:prstGeom prst="line">
+            <a:avLst/>
+          </a:prstGeom>
+          <a:ln w="12700">
+            <a:prstDash val="dash"/>
+          </a:ln>
+        </p:spPr>
+        <p:style>
+          <a:lnRef idx="1">
+            <a:schemeClr val="dk1"/>
+          </a:lnRef>
+          <a:fillRef idx="0">
+            <a:schemeClr val="dk1"/>
+          </a:fillRef>
+          <a:effectRef idx="0">
+            <a:schemeClr val="dk1"/>
+          </a:effectRef>
+          <a:fontRef idx="minor">
+            <a:schemeClr val="tx1"/>
+          </a:fontRef>
+        </p:style>
+      </p:cxnSp>
+      <p:sp>
+        <p:nvSpPr>
+          <p:cNvPr id="84" name="正方形/長方形 83">
+            <a:extLst>
+              <a:ext uri="{FF2B5EF4-FFF2-40B4-BE49-F238E27FC236}">
+                <a16:creationId xmlns:a16="http://schemas.microsoft.com/office/drawing/2014/main" id="{6C3B818A-C184-DA2B-0653-24D00C032786}"/>
+              </a:ext>
+            </a:extLst>
+          </p:cNvPr>
+          <p:cNvSpPr/>
+          <p:nvPr/>
+        </p:nvSpPr>
+        <p:spPr>
+          <a:xfrm>
+            <a:off x="5575750" y="164221"/>
+            <a:ext cx="1340164" cy="1356131"/>
+          </a:xfrm>
+          <a:prstGeom prst="rect">
+            <a:avLst/>
+          </a:prstGeom>
+          <a:noFill/>
+          <a:ln>
+            <a:prstDash val="sysDash"/>
+          </a:ln>
+        </p:spPr>
+        <p:style>
+          <a:lnRef idx="2">
+            <a:schemeClr val="dk1"/>
+          </a:lnRef>
+          <a:fillRef idx="1">
+            <a:schemeClr val="lt1"/>
+          </a:fillRef>
+          <a:effectRef idx="0">
+            <a:schemeClr val="dk1"/>
+          </a:effectRef>
+          <a:fontRef idx="minor">
+            <a:schemeClr val="dk1"/>
+          </a:fontRef>
+        </p:style>
+        <p:txBody>
+          <a:bodyPr rtlCol="0" anchor="ctr"/>
+          <a:lstStyle/>
+          <a:p>
+            <a:pPr algn="ctr"/>
+            <a:endParaRPr kumimoji="1" lang="ja-JP" altLang="en-US"/>
+          </a:p>
+        </p:txBody>
+      </p:sp>
+      <p:cxnSp>
+        <p:nvCxnSpPr>
+          <p:cNvPr id="86" name="直線コネクタ 85">
+            <a:extLst>
+              <a:ext uri="{FF2B5EF4-FFF2-40B4-BE49-F238E27FC236}">
+                <a16:creationId xmlns:a16="http://schemas.microsoft.com/office/drawing/2014/main" id="{B4D62632-38C0-E0F5-EF2C-A45EE71FB422}"/>
+              </a:ext>
+            </a:extLst>
+          </p:cNvPr>
+          <p:cNvCxnSpPr>
+            <a:cxnSpLocks/>
+            <a:stCxn id="84" idx="1"/>
+            <a:endCxn id="61" idx="3"/>
+          </p:cNvCxnSpPr>
+          <p:nvPr/>
+        </p:nvCxnSpPr>
+        <p:spPr>
+          <a:xfrm flipH="1">
+            <a:off x="1350288" y="842287"/>
+            <a:ext cx="4225462" cy="524309"/>
+          </a:xfrm>
+          <a:prstGeom prst="line">
+            <a:avLst/>
+          </a:prstGeom>
+          <a:ln w="12700">
+            <a:prstDash val="dash"/>
+          </a:ln>
+        </p:spPr>
+        <p:style>
+          <a:lnRef idx="1">
+            <a:schemeClr val="dk1"/>
+          </a:lnRef>
+          <a:fillRef idx="0">
+            <a:schemeClr val="dk1"/>
+          </a:fillRef>
+          <a:effectRef idx="0">
+            <a:schemeClr val="dk1"/>
+          </a:effectRef>
+          <a:fontRef idx="minor">
+            <a:schemeClr val="tx1"/>
+          </a:fontRef>
+        </p:style>
+      </p:cxnSp>
+      <p:cxnSp>
+        <p:nvCxnSpPr>
+          <p:cNvPr id="90" name="直線コネクタ 89">
+            <a:extLst>
+              <a:ext uri="{FF2B5EF4-FFF2-40B4-BE49-F238E27FC236}">
+                <a16:creationId xmlns:a16="http://schemas.microsoft.com/office/drawing/2014/main" id="{2CA97B25-BAC6-5638-7E85-4955B0BD935D}"/>
+              </a:ext>
+            </a:extLst>
+          </p:cNvPr>
+          <p:cNvCxnSpPr>
+            <a:cxnSpLocks/>
+            <a:stCxn id="60" idx="3"/>
+            <a:endCxn id="6" idx="1"/>
+          </p:cNvCxnSpPr>
+          <p:nvPr/>
+        </p:nvCxnSpPr>
+        <p:spPr>
+          <a:xfrm>
+            <a:off x="1350287" y="638468"/>
+            <a:ext cx="760500" cy="3340889"/>
           </a:xfrm>
           <a:prstGeom prst="line">
             <a:avLst/>
@@ -9947,10 +10649,22 @@
                             <a:rPr lang="en-US" altLang="ja-JP" sz="1600" b="1" i="1" smtClean="0">
                               <a:latin typeface="Cambria Math" panose="02040503050406030204" pitchFamily="18" charset="0"/>
                             </a:rPr>
-                            <m:t>𝑪𝑽𝑳</m:t>
+                            <m:t>𝒇</m:t>
                           </m:r>
                         </m:e>
                         <m:sub>
+                          <m:r>
+                            <a:rPr lang="en-US" altLang="ja-JP" sz="1600" b="0" i="1" smtClean="0">
+                              <a:latin typeface="Cambria Math" panose="02040503050406030204" pitchFamily="18" charset="0"/>
+                            </a:rPr>
+                            <m:t>𝐶𝑉𝐿</m:t>
+                          </m:r>
+                          <m:r>
+                            <a:rPr lang="en-US" altLang="ja-JP" sz="1600" b="0" i="1" smtClean="0">
+                              <a:latin typeface="Cambria Math" panose="02040503050406030204" pitchFamily="18" charset="0"/>
+                            </a:rPr>
+                            <m:t>, </m:t>
+                          </m:r>
                           <m:r>
                             <a:rPr lang="en-US" altLang="ja-JP" sz="1600" b="0" i="1" smtClean="0">
                               <a:latin typeface="Cambria Math" panose="02040503050406030204" pitchFamily="18" charset="0"/>
@@ -10033,7 +10747,7 @@
         <p:spPr>
           <a:xfrm>
             <a:off x="877336" y="2573682"/>
-            <a:ext cx="1005403" cy="338554"/>
+            <a:ext cx="800219" cy="338554"/>
           </a:xfrm>
           <a:prstGeom prst="rect">
             <a:avLst/>
@@ -10058,7 +10772,7 @@
                 <a:latin typeface="ＭＳ 明朝" panose="02020609040205080304" pitchFamily="17" charset="-128"/>
                 <a:ea typeface="ＭＳ 明朝" panose="02020609040205080304" pitchFamily="17" charset="-128"/>
               </a:rPr>
-              <a:t>(3.22)</a:t>
+              <a:t>(22)</a:t>
             </a:r>
             <a:endParaRPr kumimoji="1" lang="ja-JP" altLang="en-US" sz="1600" dirty="0">
               <a:latin typeface="ＭＳ 明朝" panose="02020609040205080304" pitchFamily="17" charset="-128"/>
@@ -10133,31 +10847,31 @@
                         </m:e>
                         <m:sub>
                           <m:r>
-                            <a:rPr lang="en-US" altLang="ja-JP" sz="1600" b="1" i="1">
-                              <a:latin typeface="Cambria Math" panose="02040503050406030204" pitchFamily="18" charset="0"/>
-                            </a:rPr>
-                            <m:t>𝑬𝑰</m:t>
-                          </m:r>
-                          <m:r>
-                            <a:rPr lang="en-US" altLang="ja-JP" sz="1600" i="1">
+                            <a:rPr lang="en-US" altLang="ja-JP" sz="1600" b="0" i="1" smtClean="0">
+                              <a:latin typeface="Cambria Math" panose="02040503050406030204" pitchFamily="18" charset="0"/>
+                            </a:rPr>
+                            <m:t>𝑠</m:t>
+                          </m:r>
+                          <m:r>
+                            <a:rPr lang="en-US" altLang="ja-JP" sz="1600" b="0" i="1" smtClean="0">
                               <a:latin typeface="Cambria Math" panose="02040503050406030204" pitchFamily="18" charset="0"/>
                             </a:rPr>
                             <m:t>,</m:t>
                           </m:r>
                           <m:r>
-                            <a:rPr lang="en-US" altLang="ja-JP" sz="1600" i="1">
-                              <a:latin typeface="Cambria Math" panose="02040503050406030204" pitchFamily="18" charset="0"/>
-                            </a:rPr>
-                            <m:t>𝑗</m:t>
-                          </m:r>
-                          <m:r>
-                            <a:rPr lang="en-US" altLang="ja-JP" sz="1600" i="1">
+                            <a:rPr lang="en-US" altLang="ja-JP" sz="1600" b="0" i="1" smtClean="0">
+                              <a:latin typeface="Cambria Math" panose="02040503050406030204" pitchFamily="18" charset="0"/>
+                            </a:rPr>
+                            <m:t>𝑒𝑖</m:t>
+                          </m:r>
+                          <m:r>
+                            <a:rPr lang="en-US" altLang="ja-JP" sz="1600" b="0" i="1">
                               <a:latin typeface="Cambria Math" panose="02040503050406030204" pitchFamily="18" charset="0"/>
                             </a:rPr>
                             <m:t>,</m:t>
                           </m:r>
                           <m:r>
-                            <a:rPr lang="en-US" altLang="ja-JP" sz="1600" i="1">
+                            <a:rPr lang="en-US" altLang="ja-JP" sz="1600" b="0" i="1">
                               <a:latin typeface="Cambria Math" panose="02040503050406030204" pitchFamily="18" charset="0"/>
                             </a:rPr>
                             <m:t>𝑛</m:t>
@@ -10223,8 +10937,8 @@
           </p:sp>
         </mc:Fallback>
       </mc:AlternateContent>
-      <mc:AlternateContent xmlns:mc="http://schemas.openxmlformats.org/markup-compatibility/2006">
-        <mc:Choice xmlns:a14="http://schemas.microsoft.com/office/drawing/2010/main" Requires="a14">
+      <mc:AlternateContent xmlns:mc="http://schemas.openxmlformats.org/markup-compatibility/2006" xmlns:a14="http://schemas.microsoft.com/office/drawing/2010/main">
+        <mc:Choice Requires="a14">
           <p:sp>
             <p:nvSpPr>
               <p:cNvPr id="209" name="正方形/長方形 208">
@@ -10322,7 +11036,7 @@
             </p:txBody>
           </p:sp>
         </mc:Choice>
-        <mc:Fallback>
+        <mc:Fallback xmlns="">
           <p:sp>
             <p:nvSpPr>
               <p:cNvPr id="209" name="正方形/長方形 208">
@@ -10418,7 +11132,7 @@
                       <m:sSub>
                         <m:sSubPr>
                           <m:ctrlPr>
-                            <a:rPr lang="ja-JP" altLang="ja-JP" sz="1600" i="1">
+                            <a:rPr lang="ja-JP" altLang="ja-JP" sz="1600" i="1" smtClean="0">
                               <a:latin typeface="Cambria Math" panose="02040503050406030204" pitchFamily="18" charset="0"/>
                             </a:rPr>
                           </m:ctrlPr>
@@ -10432,6 +11146,18 @@
                           </m:r>
                         </m:e>
                         <m:sub>
+                          <m:r>
+                            <a:rPr lang="en-US" altLang="ja-JP" sz="1600" b="0" i="1" smtClean="0">
+                              <a:latin typeface="Cambria Math" panose="02040503050406030204" pitchFamily="18" charset="0"/>
+                            </a:rPr>
+                            <m:t>𝑠</m:t>
+                          </m:r>
+                          <m:r>
+                            <a:rPr lang="en-US" altLang="ja-JP" sz="1600" b="0" i="1" smtClean="0">
+                              <a:latin typeface="Cambria Math" panose="02040503050406030204" pitchFamily="18" charset="0"/>
+                            </a:rPr>
+                            <m:t>,</m:t>
+                          </m:r>
                           <m:r>
                             <a:rPr lang="en-US" altLang="ja-JP" sz="1600" i="1">
                               <a:latin typeface="Cambria Math" panose="02040503050406030204" pitchFamily="18" charset="0"/>
@@ -10514,7 +11240,7 @@
         <p:spPr>
           <a:xfrm>
             <a:off x="7380819" y="2319595"/>
-            <a:ext cx="902811" cy="338554"/>
+            <a:ext cx="697627" cy="338554"/>
           </a:xfrm>
           <a:prstGeom prst="rect">
             <a:avLst/>
@@ -10539,7 +11265,7 @@
                 <a:latin typeface="ＭＳ 明朝" panose="02020609040205080304" pitchFamily="17" charset="-128"/>
                 <a:ea typeface="ＭＳ 明朝" panose="02020609040205080304" pitchFamily="17" charset="-128"/>
               </a:rPr>
-              <a:t>(3.8)</a:t>
+              <a:t>(8)</a:t>
             </a:r>
             <a:endParaRPr kumimoji="1" lang="ja-JP" altLang="en-US" sz="1600" dirty="0">
               <a:latin typeface="ＭＳ 明朝" panose="02020609040205080304" pitchFamily="17" charset="-128"/>
@@ -10548,8 +11274,8 @@
           </a:p>
         </p:txBody>
       </p:sp>
-      <mc:AlternateContent xmlns:mc="http://schemas.openxmlformats.org/markup-compatibility/2006">
-        <mc:Choice xmlns:a14="http://schemas.microsoft.com/office/drawing/2010/main" Requires="a14">
+      <mc:AlternateContent xmlns:mc="http://schemas.openxmlformats.org/markup-compatibility/2006" xmlns:a14="http://schemas.microsoft.com/office/drawing/2010/main">
+        <mc:Choice Requires="a14">
           <p:sp>
             <p:nvSpPr>
               <p:cNvPr id="46" name="正方形/長方形 45">
@@ -10647,7 +11373,7 @@
             </p:txBody>
           </p:sp>
         </mc:Choice>
-        <mc:Fallback>
+        <mc:Fallback xmlns="">
           <p:sp>
             <p:nvSpPr>
               <p:cNvPr id="46" name="正方形/長方形 45">
@@ -10692,8 +11418,8 @@
           </p:sp>
         </mc:Fallback>
       </mc:AlternateContent>
-      <mc:AlternateContent xmlns:mc="http://schemas.openxmlformats.org/markup-compatibility/2006">
-        <mc:Choice xmlns:a14="http://schemas.microsoft.com/office/drawing/2010/main" Requires="a14">
+      <mc:AlternateContent xmlns:mc="http://schemas.openxmlformats.org/markup-compatibility/2006" xmlns:a14="http://schemas.microsoft.com/office/drawing/2010/main">
+        <mc:Choice Requires="a14">
           <p:sp>
             <p:nvSpPr>
               <p:cNvPr id="47" name="正方形/長方形 46">
@@ -10797,7 +11523,7 @@
             </p:txBody>
           </p:sp>
         </mc:Choice>
-        <mc:Fallback>
+        <mc:Fallback xmlns="">
           <p:sp>
             <p:nvSpPr>
               <p:cNvPr id="47" name="正方形/長方形 46">
@@ -10903,10 +11629,22 @@
                             <a:rPr lang="en-US" altLang="ja-JP" sz="1600" b="1" i="1" smtClean="0">
                               <a:latin typeface="Cambria Math" panose="02040503050406030204" pitchFamily="18" charset="0"/>
                             </a:rPr>
-                            <m:t>𝑾𝑺𝑽</m:t>
+                            <m:t>𝒇</m:t>
                           </m:r>
                         </m:e>
                         <m:sub>
+                          <m:r>
+                            <a:rPr lang="en-US" altLang="ja-JP" sz="1600" b="0" i="1" smtClean="0">
+                              <a:latin typeface="Cambria Math" panose="02040503050406030204" pitchFamily="18" charset="0"/>
+                            </a:rPr>
+                            <m:t>𝑊𝑆𝑉</m:t>
+                          </m:r>
+                          <m:r>
+                            <a:rPr lang="en-US" altLang="ja-JP" sz="1600" b="0" i="1" smtClean="0">
+                              <a:latin typeface="Cambria Math" panose="02040503050406030204" pitchFamily="18" charset="0"/>
+                            </a:rPr>
+                            <m:t>, </m:t>
+                          </m:r>
                           <m:r>
                             <a:rPr lang="en-US" altLang="ja-JP" sz="1600" b="0" i="1" smtClean="0">
                               <a:latin typeface="Cambria Math" panose="02040503050406030204" pitchFamily="18" charset="0"/>
@@ -11035,16 +11773,22 @@
                             <a:rPr lang="en-US" altLang="ja-JP" sz="1600" b="1" i="1" smtClean="0">
                               <a:latin typeface="Cambria Math" panose="02040503050406030204" pitchFamily="18" charset="0"/>
                             </a:rPr>
-                            <m:t>𝑾𝑺</m:t>
-                          </m:r>
-                          <m:r>
-                            <a:rPr lang="en-US" altLang="ja-JP" sz="1600" b="1" i="1">
-                              <a:latin typeface="Cambria Math" panose="02040503050406030204" pitchFamily="18" charset="0"/>
-                            </a:rPr>
-                            <m:t>𝑪</m:t>
+                            <m:t>𝒇</m:t>
                           </m:r>
                         </m:e>
                         <m:sub>
+                          <m:r>
+                            <a:rPr lang="en-US" altLang="ja-JP" sz="1600" b="0" i="1" smtClean="0">
+                              <a:latin typeface="Cambria Math" panose="02040503050406030204" pitchFamily="18" charset="0"/>
+                            </a:rPr>
+                            <m:t>𝑊𝑆𝐶</m:t>
+                          </m:r>
+                          <m:r>
+                            <a:rPr lang="en-US" altLang="ja-JP" sz="1600" b="0" i="1" smtClean="0">
+                              <a:latin typeface="Cambria Math" panose="02040503050406030204" pitchFamily="18" charset="0"/>
+                            </a:rPr>
+                            <m:t>, </m:t>
+                          </m:r>
                           <m:r>
                             <a:rPr lang="en-US" altLang="ja-JP" sz="1600" i="1">
                               <a:latin typeface="Cambria Math" panose="02040503050406030204" pitchFamily="18" charset="0"/>
@@ -11175,7 +11919,7 @@
         <p:spPr>
           <a:xfrm>
             <a:off x="877335" y="282523"/>
-            <a:ext cx="1005403" cy="584775"/>
+            <a:ext cx="800219" cy="584775"/>
           </a:xfrm>
           <a:prstGeom prst="rect">
             <a:avLst/>
@@ -11200,7 +11944,7 @@
                 <a:latin typeface="ＭＳ 明朝" panose="02020609040205080304" pitchFamily="17" charset="-128"/>
                 <a:ea typeface="ＭＳ 明朝" panose="02020609040205080304" pitchFamily="17" charset="-128"/>
               </a:rPr>
-              <a:t>(3.26)</a:t>
+              <a:t>(26)</a:t>
             </a:r>
           </a:p>
           <a:p>
@@ -11216,7 +11960,7 @@
                 <a:latin typeface="ＭＳ 明朝" panose="02020609040205080304" pitchFamily="17" charset="-128"/>
                 <a:ea typeface="ＭＳ 明朝" panose="02020609040205080304" pitchFamily="17" charset="-128"/>
               </a:rPr>
-              <a:t>(3.28)</a:t>
+              <a:t>(28)</a:t>
             </a:r>
             <a:endParaRPr kumimoji="1" lang="ja-JP" altLang="en-US" sz="1600" dirty="0">
               <a:latin typeface="ＭＳ 明朝" panose="02020609040205080304" pitchFamily="17" charset="-128"/>
@@ -11363,7 +12107,7 @@
         <p:spPr>
           <a:xfrm>
             <a:off x="3299333" y="1827567"/>
-            <a:ext cx="1005403" cy="338554"/>
+            <a:ext cx="800219" cy="338554"/>
           </a:xfrm>
           <a:prstGeom prst="rect">
             <a:avLst/>
@@ -11388,7 +12132,7 @@
                 <a:latin typeface="ＭＳ 明朝" panose="02020609040205080304" pitchFamily="17" charset="-128"/>
                 <a:ea typeface="ＭＳ 明朝" panose="02020609040205080304" pitchFamily="17" charset="-128"/>
               </a:rPr>
-              <a:t>(3.24)</a:t>
+              <a:t>(24)</a:t>
             </a:r>
             <a:endParaRPr kumimoji="1" lang="ja-JP" altLang="en-US" sz="1600" dirty="0">
               <a:latin typeface="ＭＳ 明朝" panose="02020609040205080304" pitchFamily="17" charset="-128"/>
@@ -11551,43 +12295,55 @@
                       <m:jc m:val="centerGroup"/>
                     </m:oMathParaPr>
                     <m:oMath xmlns:m="http://schemas.openxmlformats.org/officeDocument/2006/math">
-                      <m:acc>
-                        <m:accPr>
-                          <m:chr m:val="̅"/>
+                      <m:sSub>
+                        <m:sSubPr>
                           <m:ctrlPr>
-                            <a:rPr lang="ja-JP" altLang="ja-JP" sz="1600" i="1">
+                            <a:rPr lang="en-US" altLang="ja-JP" sz="1600" b="0" i="1" smtClean="0">
                               <a:latin typeface="Cambria Math" panose="02040503050406030204" pitchFamily="18" charset="0"/>
                             </a:rPr>
                           </m:ctrlPr>
-                        </m:accPr>
+                        </m:sSubPr>
                         <m:e>
-                          <m:sSub>
-                            <m:sSubPr>
+                          <m:acc>
+                            <m:accPr>
+                              <m:chr m:val="̂"/>
                               <m:ctrlPr>
-                                <a:rPr lang="ja-JP" altLang="ja-JP" sz="1600" i="1">
+                                <a:rPr lang="en-US" altLang="ja-JP" sz="1600" b="1" i="1" smtClean="0">
                                   <a:latin typeface="Cambria Math" panose="02040503050406030204" pitchFamily="18" charset="0"/>
                                 </a:rPr>
                               </m:ctrlPr>
-                            </m:sSubPr>
+                            </m:accPr>
                             <m:e>
                               <m:r>
-                                <a:rPr lang="en-US" altLang="ja-JP" sz="1600" b="1" i="1">
+                                <a:rPr lang="en-US" altLang="ja-JP" sz="1600" b="1" i="1" smtClean="0">
                                   <a:latin typeface="Cambria Math" panose="02040503050406030204" pitchFamily="18" charset="0"/>
                                 </a:rPr>
-                                <m:t>𝑳𝒓</m:t>
+                                <m:t>𝑳</m:t>
                               </m:r>
                             </m:e>
-                            <m:sub>
-                              <m:r>
-                                <a:rPr lang="en-US" altLang="ja-JP" sz="1600" i="1">
-                                  <a:latin typeface="Cambria Math" panose="02040503050406030204" pitchFamily="18" charset="0"/>
-                                </a:rPr>
-                                <m:t>𝑛</m:t>
-                              </m:r>
-                            </m:sub>
-                          </m:sSub>
+                          </m:acc>
                         </m:e>
-                      </m:acc>
+                        <m:sub>
+                          <m:r>
+                            <a:rPr lang="en-US" altLang="ja-JP" sz="1600" b="0" i="1" smtClean="0">
+                              <a:latin typeface="Cambria Math" panose="02040503050406030204" pitchFamily="18" charset="0"/>
+                            </a:rPr>
+                            <m:t>𝑅𝑆</m:t>
+                          </m:r>
+                          <m:r>
+                            <a:rPr lang="en-US" altLang="ja-JP" sz="1600" b="0" i="1" smtClean="0">
+                              <a:latin typeface="Cambria Math" panose="02040503050406030204" pitchFamily="18" charset="0"/>
+                            </a:rPr>
+                            <m:t>,</m:t>
+                          </m:r>
+                          <m:r>
+                            <a:rPr lang="en-US" altLang="ja-JP" sz="1600" b="0" i="1" smtClean="0">
+                              <a:latin typeface="Cambria Math" panose="02040503050406030204" pitchFamily="18" charset="0"/>
+                            </a:rPr>
+                            <m:t>𝑛</m:t>
+                          </m:r>
+                        </m:sub>
+                      </m:sSub>
                     </m:oMath>
                   </m:oMathPara>
                 </a14:m>
@@ -11689,8 +12445,8 @@
           </a:p>
         </p:txBody>
       </p:sp>
-      <mc:AlternateContent xmlns:mc="http://schemas.openxmlformats.org/markup-compatibility/2006">
-        <mc:Choice xmlns:a14="http://schemas.microsoft.com/office/drawing/2010/main" Requires="a14">
+      <mc:AlternateContent xmlns:mc="http://schemas.openxmlformats.org/markup-compatibility/2006" xmlns:a14="http://schemas.microsoft.com/office/drawing/2010/main">
+        <mc:Choice Requires="a14">
           <p:sp>
             <p:nvSpPr>
               <p:cNvPr id="119" name="正方形/長方形 118">
@@ -11788,7 +12544,7 @@
             </p:txBody>
           </p:sp>
         </mc:Choice>
-        <mc:Fallback>
+        <mc:Fallback xmlns="">
           <p:sp>
             <p:nvSpPr>
               <p:cNvPr id="119" name="正方形/長方形 118">
@@ -11889,7 +12645,7 @@
         <p:spPr>
           <a:xfrm>
             <a:off x="5526510" y="3339713"/>
-            <a:ext cx="1005403" cy="338554"/>
+            <a:ext cx="800219" cy="338554"/>
           </a:xfrm>
           <a:prstGeom prst="rect">
             <a:avLst/>
@@ -11914,7 +12670,7 @@
                 <a:latin typeface="ＭＳ 明朝" panose="02020609040205080304" pitchFamily="17" charset="-128"/>
                 <a:ea typeface="ＭＳ 明朝" panose="02020609040205080304" pitchFamily="17" charset="-128"/>
               </a:rPr>
-              <a:t>(3.15)</a:t>
+              <a:t>(15)</a:t>
             </a:r>
             <a:endParaRPr kumimoji="1" lang="ja-JP" altLang="en-US" sz="1600" dirty="0">
               <a:latin typeface="ＭＳ 明朝" panose="02020609040205080304" pitchFamily="17" charset="-128"/>
